--- a/Assessment1/Assessment1.pptx
+++ b/Assessment1/Assessment1.pptx
@@ -24,6 +24,16 @@
     <p:sldId id="272" r:id="rId18"/>
     <p:sldId id="273" r:id="rId19"/>
     <p:sldId id="274" r:id="rId20"/>
+    <p:sldId id="275" r:id="rId21"/>
+    <p:sldId id="276" r:id="rId22"/>
+    <p:sldId id="277" r:id="rId23"/>
+    <p:sldId id="278" r:id="rId24"/>
+    <p:sldId id="279" r:id="rId25"/>
+    <p:sldId id="280" r:id="rId26"/>
+    <p:sldId id="281" r:id="rId27"/>
+    <p:sldId id="282" r:id="rId28"/>
+    <p:sldId id="283" r:id="rId29"/>
+    <p:sldId id="284" r:id="rId30"/>
   </p:sldIdLst>
   <p:sldSz cx="12192000" cy="6858000"/>
   <p:notesSz cx="6858000" cy="9144000"/>
@@ -122,6 +132,11 @@
       </a:defRPr>
     </a:lvl9pPr>
   </p:defaultTextStyle>
+  <p:extLst>
+    <p:ext uri="{EFAFB233-063F-42B5-8137-9DF3F51BA10A}">
+      <p15:sldGuideLst xmlns:p15="http://schemas.microsoft.com/office/powerpoint/2012/main"/>
+    </p:ext>
+  </p:extLst>
 </p:presentation>
 </file>
 
@@ -274,7 +289,7 @@
           <a:p>
             <a:fld id="{9EAC616E-D2F8-41DC-B2F1-F84DED6378CD}" type="datetimeFigureOut">
               <a:rPr lang="en-NZ" smtClean="0"/>
-              <a:t>6/10/2022</a:t>
+              <a:t>7/10/2022</a:t>
             </a:fld>
             <a:endParaRPr lang="en-NZ"/>
           </a:p>
@@ -474,7 +489,7 @@
           <a:p>
             <a:fld id="{9EAC616E-D2F8-41DC-B2F1-F84DED6378CD}" type="datetimeFigureOut">
               <a:rPr lang="en-NZ" smtClean="0"/>
-              <a:t>6/10/2022</a:t>
+              <a:t>7/10/2022</a:t>
             </a:fld>
             <a:endParaRPr lang="en-NZ"/>
           </a:p>
@@ -684,7 +699,7 @@
           <a:p>
             <a:fld id="{9EAC616E-D2F8-41DC-B2F1-F84DED6378CD}" type="datetimeFigureOut">
               <a:rPr lang="en-NZ" smtClean="0"/>
-              <a:t>6/10/2022</a:t>
+              <a:t>7/10/2022</a:t>
             </a:fld>
             <a:endParaRPr lang="en-NZ"/>
           </a:p>
@@ -884,7 +899,7 @@
           <a:p>
             <a:fld id="{9EAC616E-D2F8-41DC-B2F1-F84DED6378CD}" type="datetimeFigureOut">
               <a:rPr lang="en-NZ" smtClean="0"/>
-              <a:t>6/10/2022</a:t>
+              <a:t>7/10/2022</a:t>
             </a:fld>
             <a:endParaRPr lang="en-NZ"/>
           </a:p>
@@ -1160,7 +1175,7 @@
           <a:p>
             <a:fld id="{9EAC616E-D2F8-41DC-B2F1-F84DED6378CD}" type="datetimeFigureOut">
               <a:rPr lang="en-NZ" smtClean="0"/>
-              <a:t>6/10/2022</a:t>
+              <a:t>7/10/2022</a:t>
             </a:fld>
             <a:endParaRPr lang="en-NZ"/>
           </a:p>
@@ -1428,7 +1443,7 @@
           <a:p>
             <a:fld id="{9EAC616E-D2F8-41DC-B2F1-F84DED6378CD}" type="datetimeFigureOut">
               <a:rPr lang="en-NZ" smtClean="0"/>
-              <a:t>6/10/2022</a:t>
+              <a:t>7/10/2022</a:t>
             </a:fld>
             <a:endParaRPr lang="en-NZ"/>
           </a:p>
@@ -1843,7 +1858,7 @@
           <a:p>
             <a:fld id="{9EAC616E-D2F8-41DC-B2F1-F84DED6378CD}" type="datetimeFigureOut">
               <a:rPr lang="en-NZ" smtClean="0"/>
-              <a:t>6/10/2022</a:t>
+              <a:t>7/10/2022</a:t>
             </a:fld>
             <a:endParaRPr lang="en-NZ"/>
           </a:p>
@@ -1985,7 +2000,7 @@
           <a:p>
             <a:fld id="{9EAC616E-D2F8-41DC-B2F1-F84DED6378CD}" type="datetimeFigureOut">
               <a:rPr lang="en-NZ" smtClean="0"/>
-              <a:t>6/10/2022</a:t>
+              <a:t>7/10/2022</a:t>
             </a:fld>
             <a:endParaRPr lang="en-NZ"/>
           </a:p>
@@ -2098,7 +2113,7 @@
           <a:p>
             <a:fld id="{9EAC616E-D2F8-41DC-B2F1-F84DED6378CD}" type="datetimeFigureOut">
               <a:rPr lang="en-NZ" smtClean="0"/>
-              <a:t>6/10/2022</a:t>
+              <a:t>7/10/2022</a:t>
             </a:fld>
             <a:endParaRPr lang="en-NZ"/>
           </a:p>
@@ -2411,7 +2426,7 @@
           <a:p>
             <a:fld id="{9EAC616E-D2F8-41DC-B2F1-F84DED6378CD}" type="datetimeFigureOut">
               <a:rPr lang="en-NZ" smtClean="0"/>
-              <a:t>6/10/2022</a:t>
+              <a:t>7/10/2022</a:t>
             </a:fld>
             <a:endParaRPr lang="en-NZ"/>
           </a:p>
@@ -2700,7 +2715,7 @@
           <a:p>
             <a:fld id="{9EAC616E-D2F8-41DC-B2F1-F84DED6378CD}" type="datetimeFigureOut">
               <a:rPr lang="en-NZ" smtClean="0"/>
-              <a:t>6/10/2022</a:t>
+              <a:t>7/10/2022</a:t>
             </a:fld>
             <a:endParaRPr lang="en-NZ"/>
           </a:p>
@@ -2943,7 +2958,7 @@
           <a:p>
             <a:fld id="{9EAC616E-D2F8-41DC-B2F1-F84DED6378CD}" type="datetimeFigureOut">
               <a:rPr lang="en-NZ" smtClean="0"/>
-              <a:t>6/10/2022</a:t>
+              <a:t>7/10/2022</a:t>
             </a:fld>
             <a:endParaRPr lang="en-NZ"/>
           </a:p>
@@ -3410,9 +3425,10 @@
           <a:lstStyle/>
           <a:p>
             <a:r>
-              <a:rPr lang="en-NZ" dirty="0"/>
-              <a:t>26/37</a:t>
-            </a:r>
+              <a:rPr lang="en-NZ"/>
+              <a:t>35/37</a:t>
+            </a:r>
+            <a:endParaRPr lang="en-NZ" dirty="0"/>
           </a:p>
           <a:p>
             <a:endParaRPr lang="en-NZ" dirty="0"/>
@@ -4652,7 +4668,7 @@
           <a:p>
             <a:r>
               <a:rPr lang="en-NZ" dirty="0"/>
-              <a:t>1# Selection statements</a:t>
+              <a:t>1 Selection statements, 31 Named Arguments</a:t>
             </a:r>
           </a:p>
         </p:txBody>
@@ -4686,10 +4702,1082 @@
           </a:xfrm>
         </p:spPr>
       </p:pic>
+      <p:pic>
+        <p:nvPicPr>
+          <p:cNvPr id="4" name="Picture 3">
+            <a:extLst>
+              <a:ext uri="{FF2B5EF4-FFF2-40B4-BE49-F238E27FC236}">
+                <a16:creationId xmlns:a16="http://schemas.microsoft.com/office/drawing/2014/main" id="{DF57620F-0D68-9316-9B93-7177ABBC86D6}"/>
+              </a:ext>
+            </a:extLst>
+          </p:cNvPr>
+          <p:cNvPicPr>
+            <a:picLocks noChangeAspect="1"/>
+          </p:cNvPicPr>
+          <p:nvPr/>
+        </p:nvPicPr>
+        <p:blipFill>
+          <a:blip r:embed="rId3"/>
+          <a:stretch>
+            <a:fillRect/>
+          </a:stretch>
+        </p:blipFill>
+        <p:spPr>
+          <a:xfrm>
+            <a:off x="3509601" y="1828131"/>
+            <a:ext cx="5172797" cy="819264"/>
+          </a:xfrm>
+          <a:prstGeom prst="rect">
+            <a:avLst/>
+          </a:prstGeom>
+        </p:spPr>
+      </p:pic>
     </p:spTree>
     <p:extLst>
       <p:ext uri="{BB962C8B-B14F-4D97-AF65-F5344CB8AC3E}">
         <p14:creationId xmlns:p14="http://schemas.microsoft.com/office/powerpoint/2010/main" val="166754594"/>
+      </p:ext>
+    </p:extLst>
+  </p:cSld>
+  <p:clrMapOvr>
+    <a:masterClrMapping/>
+  </p:clrMapOvr>
+</p:sld>
+</file>
+
+<file path=ppt/slides/slide20.xml><?xml version="1.0" encoding="utf-8"?>
+<p:sld xmlns:a="http://schemas.openxmlformats.org/drawingml/2006/main" xmlns:r="http://schemas.openxmlformats.org/officeDocument/2006/relationships" xmlns:p="http://schemas.openxmlformats.org/presentationml/2006/main">
+  <p:cSld>
+    <p:spTree>
+      <p:nvGrpSpPr>
+        <p:cNvPr id="1" name=""/>
+        <p:cNvGrpSpPr/>
+        <p:nvPr/>
+      </p:nvGrpSpPr>
+      <p:grpSpPr>
+        <a:xfrm>
+          <a:off x="0" y="0"/>
+          <a:ext cx="0" cy="0"/>
+          <a:chOff x="0" y="0"/>
+          <a:chExt cx="0" cy="0"/>
+        </a:xfrm>
+      </p:grpSpPr>
+      <p:sp>
+        <p:nvSpPr>
+          <p:cNvPr id="2" name="Title 1">
+            <a:extLst>
+              <a:ext uri="{FF2B5EF4-FFF2-40B4-BE49-F238E27FC236}">
+                <a16:creationId xmlns:a16="http://schemas.microsoft.com/office/drawing/2014/main" id="{61013133-5848-DCF7-7B25-9C6BD76B6320}"/>
+              </a:ext>
+            </a:extLst>
+          </p:cNvPr>
+          <p:cNvSpPr>
+            <a:spLocks noGrp="1"/>
+          </p:cNvSpPr>
+          <p:nvPr>
+            <p:ph type="title"/>
+          </p:nvPr>
+        </p:nvSpPr>
+        <p:spPr/>
+        <p:txBody>
+          <a:bodyPr/>
+          <a:lstStyle/>
+          <a:p>
+            <a:r>
+              <a:rPr lang="en-NZ" dirty="0"/>
+              <a:t>27 Enumeration types</a:t>
+            </a:r>
+          </a:p>
+        </p:txBody>
+      </p:sp>
+      <p:pic>
+        <p:nvPicPr>
+          <p:cNvPr id="5" name="Content Placeholder 4">
+            <a:extLst>
+              <a:ext uri="{FF2B5EF4-FFF2-40B4-BE49-F238E27FC236}">
+                <a16:creationId xmlns:a16="http://schemas.microsoft.com/office/drawing/2014/main" id="{2FC7D481-A4FB-2CF4-0DE8-6E31E84210FA}"/>
+              </a:ext>
+            </a:extLst>
+          </p:cNvPr>
+          <p:cNvPicPr>
+            <a:picLocks noGrp="1" noChangeAspect="1"/>
+          </p:cNvPicPr>
+          <p:nvPr>
+            <p:ph idx="1"/>
+          </p:nvPr>
+        </p:nvPicPr>
+        <p:blipFill>
+          <a:blip r:embed="rId2"/>
+          <a:stretch>
+            <a:fillRect/>
+          </a:stretch>
+        </p:blipFill>
+        <p:spPr>
+          <a:xfrm>
+            <a:off x="838200" y="1690688"/>
+            <a:ext cx="7325747" cy="1457528"/>
+          </a:xfrm>
+        </p:spPr>
+      </p:pic>
+      <p:pic>
+        <p:nvPicPr>
+          <p:cNvPr id="7" name="Picture 6">
+            <a:extLst>
+              <a:ext uri="{FF2B5EF4-FFF2-40B4-BE49-F238E27FC236}">
+                <a16:creationId xmlns:a16="http://schemas.microsoft.com/office/drawing/2014/main" id="{BB166E81-0A53-EDD7-5870-0393DC9F2F1E}"/>
+              </a:ext>
+            </a:extLst>
+          </p:cNvPr>
+          <p:cNvPicPr>
+            <a:picLocks noChangeAspect="1"/>
+          </p:cNvPicPr>
+          <p:nvPr/>
+        </p:nvPicPr>
+        <p:blipFill>
+          <a:blip r:embed="rId3"/>
+          <a:stretch>
+            <a:fillRect/>
+          </a:stretch>
+        </p:blipFill>
+        <p:spPr>
+          <a:xfrm>
+            <a:off x="5117332" y="3429000"/>
+            <a:ext cx="1714739" cy="1276528"/>
+          </a:xfrm>
+          <a:prstGeom prst="rect">
+            <a:avLst/>
+          </a:prstGeom>
+        </p:spPr>
+      </p:pic>
+    </p:spTree>
+    <p:extLst>
+      <p:ext uri="{BB962C8B-B14F-4D97-AF65-F5344CB8AC3E}">
+        <p14:creationId xmlns:p14="http://schemas.microsoft.com/office/powerpoint/2010/main" val="1869722280"/>
+      </p:ext>
+    </p:extLst>
+  </p:cSld>
+  <p:clrMapOvr>
+    <a:masterClrMapping/>
+  </p:clrMapOvr>
+</p:sld>
+</file>
+
+<file path=ppt/slides/slide21.xml><?xml version="1.0" encoding="utf-8"?>
+<p:sld xmlns:a="http://schemas.openxmlformats.org/drawingml/2006/main" xmlns:r="http://schemas.openxmlformats.org/officeDocument/2006/relationships" xmlns:p="http://schemas.openxmlformats.org/presentationml/2006/main">
+  <p:cSld>
+    <p:spTree>
+      <p:nvGrpSpPr>
+        <p:cNvPr id="1" name=""/>
+        <p:cNvGrpSpPr/>
+        <p:nvPr/>
+      </p:nvGrpSpPr>
+      <p:grpSpPr>
+        <a:xfrm>
+          <a:off x="0" y="0"/>
+          <a:ext cx="0" cy="0"/>
+          <a:chOff x="0" y="0"/>
+          <a:chExt cx="0" cy="0"/>
+        </a:xfrm>
+      </p:grpSpPr>
+      <p:sp>
+        <p:nvSpPr>
+          <p:cNvPr id="2" name="Title 1">
+            <a:extLst>
+              <a:ext uri="{FF2B5EF4-FFF2-40B4-BE49-F238E27FC236}">
+                <a16:creationId xmlns:a16="http://schemas.microsoft.com/office/drawing/2014/main" id="{F88DCE27-D242-75AB-99FC-C79FB98EBDD9}"/>
+              </a:ext>
+            </a:extLst>
+          </p:cNvPr>
+          <p:cNvSpPr>
+            <a:spLocks noGrp="1"/>
+          </p:cNvSpPr>
+          <p:nvPr>
+            <p:ph type="title"/>
+          </p:nvPr>
+        </p:nvSpPr>
+        <p:spPr/>
+        <p:txBody>
+          <a:bodyPr/>
+          <a:lstStyle/>
+          <a:p>
+            <a:r>
+              <a:rPr lang="en-NZ" dirty="0"/>
+              <a:t>28 Exceptions and Exception Handling</a:t>
+            </a:r>
+          </a:p>
+        </p:txBody>
+      </p:sp>
+      <p:pic>
+        <p:nvPicPr>
+          <p:cNvPr id="5" name="Content Placeholder 4">
+            <a:extLst>
+              <a:ext uri="{FF2B5EF4-FFF2-40B4-BE49-F238E27FC236}">
+                <a16:creationId xmlns:a16="http://schemas.microsoft.com/office/drawing/2014/main" id="{1F8A9AA9-E0D5-07C1-DE4B-36BFDA8227BC}"/>
+              </a:ext>
+            </a:extLst>
+          </p:cNvPr>
+          <p:cNvPicPr>
+            <a:picLocks noGrp="1" noChangeAspect="1"/>
+          </p:cNvPicPr>
+          <p:nvPr>
+            <p:ph idx="1"/>
+          </p:nvPr>
+        </p:nvPicPr>
+        <p:blipFill>
+          <a:blip r:embed="rId2"/>
+          <a:stretch>
+            <a:fillRect/>
+          </a:stretch>
+        </p:blipFill>
+        <p:spPr>
+          <a:xfrm>
+            <a:off x="838200" y="1690688"/>
+            <a:ext cx="4820323" cy="2295845"/>
+          </a:xfrm>
+        </p:spPr>
+      </p:pic>
+      <p:pic>
+        <p:nvPicPr>
+          <p:cNvPr id="7" name="Picture 6">
+            <a:extLst>
+              <a:ext uri="{FF2B5EF4-FFF2-40B4-BE49-F238E27FC236}">
+                <a16:creationId xmlns:a16="http://schemas.microsoft.com/office/drawing/2014/main" id="{911296A1-9CCD-E863-94A9-EBD1C135AD7C}"/>
+              </a:ext>
+            </a:extLst>
+          </p:cNvPr>
+          <p:cNvPicPr>
+            <a:picLocks noChangeAspect="1"/>
+          </p:cNvPicPr>
+          <p:nvPr/>
+        </p:nvPicPr>
+        <p:blipFill>
+          <a:blip r:embed="rId3"/>
+          <a:stretch>
+            <a:fillRect/>
+          </a:stretch>
+        </p:blipFill>
+        <p:spPr>
+          <a:xfrm>
+            <a:off x="5902020" y="1690688"/>
+            <a:ext cx="3896269" cy="1190791"/>
+          </a:xfrm>
+          <a:prstGeom prst="rect">
+            <a:avLst/>
+          </a:prstGeom>
+        </p:spPr>
+      </p:pic>
+    </p:spTree>
+    <p:extLst>
+      <p:ext uri="{BB962C8B-B14F-4D97-AF65-F5344CB8AC3E}">
+        <p14:creationId xmlns:p14="http://schemas.microsoft.com/office/powerpoint/2010/main" val="4285912647"/>
+      </p:ext>
+    </p:extLst>
+  </p:cSld>
+  <p:clrMapOvr>
+    <a:masterClrMapping/>
+  </p:clrMapOvr>
+</p:sld>
+</file>
+
+<file path=ppt/slides/slide22.xml><?xml version="1.0" encoding="utf-8"?>
+<p:sld xmlns:a="http://schemas.openxmlformats.org/drawingml/2006/main" xmlns:r="http://schemas.openxmlformats.org/officeDocument/2006/relationships" xmlns:p="http://schemas.openxmlformats.org/presentationml/2006/main">
+  <p:cSld>
+    <p:spTree>
+      <p:nvGrpSpPr>
+        <p:cNvPr id="1" name=""/>
+        <p:cNvGrpSpPr/>
+        <p:nvPr/>
+      </p:nvGrpSpPr>
+      <p:grpSpPr>
+        <a:xfrm>
+          <a:off x="0" y="0"/>
+          <a:ext cx="0" cy="0"/>
+          <a:chOff x="0" y="0"/>
+          <a:chExt cx="0" cy="0"/>
+        </a:xfrm>
+      </p:grpSpPr>
+      <p:sp>
+        <p:nvSpPr>
+          <p:cNvPr id="2" name="Title 1">
+            <a:extLst>
+              <a:ext uri="{FF2B5EF4-FFF2-40B4-BE49-F238E27FC236}">
+                <a16:creationId xmlns:a16="http://schemas.microsoft.com/office/drawing/2014/main" id="{01EE26CD-890B-7EFD-FCB9-0801F6EDE796}"/>
+              </a:ext>
+            </a:extLst>
+          </p:cNvPr>
+          <p:cNvSpPr>
+            <a:spLocks noGrp="1"/>
+          </p:cNvSpPr>
+          <p:nvPr>
+            <p:ph type="title"/>
+          </p:nvPr>
+        </p:nvSpPr>
+        <p:spPr/>
+        <p:txBody>
+          <a:bodyPr/>
+          <a:lstStyle/>
+          <a:p>
+            <a:r>
+              <a:rPr lang="en-NZ" dirty="0"/>
+              <a:t>29 Using statements</a:t>
+            </a:r>
+          </a:p>
+        </p:txBody>
+      </p:sp>
+      <p:pic>
+        <p:nvPicPr>
+          <p:cNvPr id="5" name="Content Placeholder 4">
+            <a:extLst>
+              <a:ext uri="{FF2B5EF4-FFF2-40B4-BE49-F238E27FC236}">
+                <a16:creationId xmlns:a16="http://schemas.microsoft.com/office/drawing/2014/main" id="{59C952F3-4750-DC5E-AE83-678E555C86C9}"/>
+              </a:ext>
+            </a:extLst>
+          </p:cNvPr>
+          <p:cNvPicPr>
+            <a:picLocks noGrp="1" noChangeAspect="1"/>
+          </p:cNvPicPr>
+          <p:nvPr>
+            <p:ph idx="1"/>
+          </p:nvPr>
+        </p:nvPicPr>
+        <p:blipFill>
+          <a:blip r:embed="rId2"/>
+          <a:stretch>
+            <a:fillRect/>
+          </a:stretch>
+        </p:blipFill>
+        <p:spPr>
+          <a:xfrm>
+            <a:off x="4033548" y="2292598"/>
+            <a:ext cx="4124901" cy="2695951"/>
+          </a:xfrm>
+        </p:spPr>
+      </p:pic>
+      <p:pic>
+        <p:nvPicPr>
+          <p:cNvPr id="7" name="Picture 6">
+            <a:extLst>
+              <a:ext uri="{FF2B5EF4-FFF2-40B4-BE49-F238E27FC236}">
+                <a16:creationId xmlns:a16="http://schemas.microsoft.com/office/drawing/2014/main" id="{968CEF2D-5F95-9179-65B2-5E1452D2BBB2}"/>
+              </a:ext>
+            </a:extLst>
+          </p:cNvPr>
+          <p:cNvPicPr>
+            <a:picLocks noChangeAspect="1"/>
+          </p:cNvPicPr>
+          <p:nvPr/>
+        </p:nvPicPr>
+        <p:blipFill>
+          <a:blip r:embed="rId3"/>
+          <a:stretch>
+            <a:fillRect/>
+          </a:stretch>
+        </p:blipFill>
+        <p:spPr>
+          <a:xfrm>
+            <a:off x="5267209" y="1717089"/>
+            <a:ext cx="1657581" cy="362001"/>
+          </a:xfrm>
+          <a:prstGeom prst="rect">
+            <a:avLst/>
+          </a:prstGeom>
+        </p:spPr>
+      </p:pic>
+    </p:spTree>
+    <p:extLst>
+      <p:ext uri="{BB962C8B-B14F-4D97-AF65-F5344CB8AC3E}">
+        <p14:creationId xmlns:p14="http://schemas.microsoft.com/office/powerpoint/2010/main" val="4248433668"/>
+      </p:ext>
+    </p:extLst>
+  </p:cSld>
+  <p:clrMapOvr>
+    <a:masterClrMapping/>
+  </p:clrMapOvr>
+</p:sld>
+</file>
+
+<file path=ppt/slides/slide23.xml><?xml version="1.0" encoding="utf-8"?>
+<p:sld xmlns:a="http://schemas.openxmlformats.org/drawingml/2006/main" xmlns:r="http://schemas.openxmlformats.org/officeDocument/2006/relationships" xmlns:p="http://schemas.openxmlformats.org/presentationml/2006/main">
+  <p:cSld>
+    <p:spTree>
+      <p:nvGrpSpPr>
+        <p:cNvPr id="1" name=""/>
+        <p:cNvGrpSpPr/>
+        <p:nvPr/>
+      </p:nvGrpSpPr>
+      <p:grpSpPr>
+        <a:xfrm>
+          <a:off x="0" y="0"/>
+          <a:ext cx="0" cy="0"/>
+          <a:chOff x="0" y="0"/>
+          <a:chExt cx="0" cy="0"/>
+        </a:xfrm>
+      </p:grpSpPr>
+      <p:sp>
+        <p:nvSpPr>
+          <p:cNvPr id="2" name="Title 1">
+            <a:extLst>
+              <a:ext uri="{FF2B5EF4-FFF2-40B4-BE49-F238E27FC236}">
+                <a16:creationId xmlns:a16="http://schemas.microsoft.com/office/drawing/2014/main" id="{D1160E04-6BB5-4DAA-6074-E401528DFDE8}"/>
+              </a:ext>
+            </a:extLst>
+          </p:cNvPr>
+          <p:cNvSpPr>
+            <a:spLocks noGrp="1"/>
+          </p:cNvSpPr>
+          <p:nvPr>
+            <p:ph type="title"/>
+          </p:nvPr>
+        </p:nvSpPr>
+        <p:spPr/>
+        <p:txBody>
+          <a:bodyPr/>
+          <a:lstStyle/>
+          <a:p>
+            <a:r>
+              <a:rPr lang="en-NZ" dirty="0"/>
+              <a:t>30 Init accessors</a:t>
+            </a:r>
+          </a:p>
+        </p:txBody>
+      </p:sp>
+      <p:pic>
+        <p:nvPicPr>
+          <p:cNvPr id="5" name="Content Placeholder 4">
+            <a:extLst>
+              <a:ext uri="{FF2B5EF4-FFF2-40B4-BE49-F238E27FC236}">
+                <a16:creationId xmlns:a16="http://schemas.microsoft.com/office/drawing/2014/main" id="{73485142-8DF9-CA5A-9B4E-672B348E2C23}"/>
+              </a:ext>
+            </a:extLst>
+          </p:cNvPr>
+          <p:cNvPicPr>
+            <a:picLocks noGrp="1" noChangeAspect="1"/>
+          </p:cNvPicPr>
+          <p:nvPr>
+            <p:ph idx="1"/>
+          </p:nvPr>
+        </p:nvPicPr>
+        <p:blipFill>
+          <a:blip r:embed="rId2"/>
+          <a:stretch>
+            <a:fillRect/>
+          </a:stretch>
+        </p:blipFill>
+        <p:spPr>
+          <a:xfrm>
+            <a:off x="3390521" y="3051927"/>
+            <a:ext cx="5410955" cy="1428949"/>
+          </a:xfrm>
+        </p:spPr>
+      </p:pic>
+      <p:pic>
+        <p:nvPicPr>
+          <p:cNvPr id="7" name="Picture 6">
+            <a:extLst>
+              <a:ext uri="{FF2B5EF4-FFF2-40B4-BE49-F238E27FC236}">
+                <a16:creationId xmlns:a16="http://schemas.microsoft.com/office/drawing/2014/main" id="{A3E0B8F8-8A6D-AD6C-1917-3DAB39B4C733}"/>
+              </a:ext>
+            </a:extLst>
+          </p:cNvPr>
+          <p:cNvPicPr>
+            <a:picLocks noChangeAspect="1"/>
+          </p:cNvPicPr>
+          <p:nvPr/>
+        </p:nvPicPr>
+        <p:blipFill>
+          <a:blip r:embed="rId3"/>
+          <a:stretch>
+            <a:fillRect/>
+          </a:stretch>
+        </p:blipFill>
+        <p:spPr>
+          <a:xfrm>
+            <a:off x="4190732" y="1338730"/>
+            <a:ext cx="3810532" cy="1428949"/>
+          </a:xfrm>
+          <a:prstGeom prst="rect">
+            <a:avLst/>
+          </a:prstGeom>
+        </p:spPr>
+      </p:pic>
+    </p:spTree>
+    <p:extLst>
+      <p:ext uri="{BB962C8B-B14F-4D97-AF65-F5344CB8AC3E}">
+        <p14:creationId xmlns:p14="http://schemas.microsoft.com/office/powerpoint/2010/main" val="642188758"/>
+      </p:ext>
+    </p:extLst>
+  </p:cSld>
+  <p:clrMapOvr>
+    <a:masterClrMapping/>
+  </p:clrMapOvr>
+</p:sld>
+</file>
+
+<file path=ppt/slides/slide24.xml><?xml version="1.0" encoding="utf-8"?>
+<p:sld xmlns:a="http://schemas.openxmlformats.org/drawingml/2006/main" xmlns:r="http://schemas.openxmlformats.org/officeDocument/2006/relationships" xmlns:p="http://schemas.openxmlformats.org/presentationml/2006/main">
+  <p:cSld>
+    <p:spTree>
+      <p:nvGrpSpPr>
+        <p:cNvPr id="1" name=""/>
+        <p:cNvGrpSpPr/>
+        <p:nvPr/>
+      </p:nvGrpSpPr>
+      <p:grpSpPr>
+        <a:xfrm>
+          <a:off x="0" y="0"/>
+          <a:ext cx="0" cy="0"/>
+          <a:chOff x="0" y="0"/>
+          <a:chExt cx="0" cy="0"/>
+        </a:xfrm>
+      </p:grpSpPr>
+      <p:sp>
+        <p:nvSpPr>
+          <p:cNvPr id="2" name="Title 1">
+            <a:extLst>
+              <a:ext uri="{FF2B5EF4-FFF2-40B4-BE49-F238E27FC236}">
+                <a16:creationId xmlns:a16="http://schemas.microsoft.com/office/drawing/2014/main" id="{42E47438-54A2-455D-0508-9501E7451810}"/>
+              </a:ext>
+            </a:extLst>
+          </p:cNvPr>
+          <p:cNvSpPr>
+            <a:spLocks noGrp="1"/>
+          </p:cNvSpPr>
+          <p:nvPr>
+            <p:ph type="title"/>
+          </p:nvPr>
+        </p:nvSpPr>
+        <p:spPr/>
+        <p:txBody>
+          <a:bodyPr/>
+          <a:lstStyle/>
+          <a:p>
+            <a:r>
+              <a:rPr lang="en-NZ" dirty="0"/>
+              <a:t>32</a:t>
+            </a:r>
+          </a:p>
+        </p:txBody>
+      </p:sp>
+      <p:sp>
+        <p:nvSpPr>
+          <p:cNvPr id="3" name="Content Placeholder 2">
+            <a:extLst>
+              <a:ext uri="{FF2B5EF4-FFF2-40B4-BE49-F238E27FC236}">
+                <a16:creationId xmlns:a16="http://schemas.microsoft.com/office/drawing/2014/main" id="{352213BE-105F-907D-129C-5D6A2E208628}"/>
+              </a:ext>
+            </a:extLst>
+          </p:cNvPr>
+          <p:cNvSpPr>
+            <a:spLocks noGrp="1"/>
+          </p:cNvSpPr>
+          <p:nvPr>
+            <p:ph idx="1"/>
+          </p:nvPr>
+        </p:nvSpPr>
+        <p:spPr/>
+        <p:txBody>
+          <a:bodyPr/>
+          <a:lstStyle/>
+          <a:p>
+            <a:endParaRPr lang="en-NZ"/>
+          </a:p>
+        </p:txBody>
+      </p:sp>
+    </p:spTree>
+    <p:extLst>
+      <p:ext uri="{BB962C8B-B14F-4D97-AF65-F5344CB8AC3E}">
+        <p14:creationId xmlns:p14="http://schemas.microsoft.com/office/powerpoint/2010/main" val="3599876904"/>
+      </p:ext>
+    </p:extLst>
+  </p:cSld>
+  <p:clrMapOvr>
+    <a:masterClrMapping/>
+  </p:clrMapOvr>
+</p:sld>
+</file>
+
+<file path=ppt/slides/slide25.xml><?xml version="1.0" encoding="utf-8"?>
+<p:sld xmlns:a="http://schemas.openxmlformats.org/drawingml/2006/main" xmlns:r="http://schemas.openxmlformats.org/officeDocument/2006/relationships" xmlns:p="http://schemas.openxmlformats.org/presentationml/2006/main">
+  <p:cSld>
+    <p:spTree>
+      <p:nvGrpSpPr>
+        <p:cNvPr id="1" name=""/>
+        <p:cNvGrpSpPr/>
+        <p:nvPr/>
+      </p:nvGrpSpPr>
+      <p:grpSpPr>
+        <a:xfrm>
+          <a:off x="0" y="0"/>
+          <a:ext cx="0" cy="0"/>
+          <a:chOff x="0" y="0"/>
+          <a:chExt cx="0" cy="0"/>
+        </a:xfrm>
+      </p:grpSpPr>
+      <p:sp>
+        <p:nvSpPr>
+          <p:cNvPr id="2" name="Title 1">
+            <a:extLst>
+              <a:ext uri="{FF2B5EF4-FFF2-40B4-BE49-F238E27FC236}">
+                <a16:creationId xmlns:a16="http://schemas.microsoft.com/office/drawing/2014/main" id="{4770FCE5-5325-2953-7492-C9168BFC4685}"/>
+              </a:ext>
+            </a:extLst>
+          </p:cNvPr>
+          <p:cNvSpPr>
+            <a:spLocks noGrp="1"/>
+          </p:cNvSpPr>
+          <p:nvPr>
+            <p:ph type="title"/>
+          </p:nvPr>
+        </p:nvSpPr>
+        <p:spPr/>
+        <p:txBody>
+          <a:bodyPr/>
+          <a:lstStyle/>
+          <a:p>
+            <a:r>
+              <a:rPr lang="en-NZ" dirty="0"/>
+              <a:t>33 Object and Collection Initializers</a:t>
+            </a:r>
+          </a:p>
+        </p:txBody>
+      </p:sp>
+      <p:pic>
+        <p:nvPicPr>
+          <p:cNvPr id="5" name="Content Placeholder 4">
+            <a:extLst>
+              <a:ext uri="{FF2B5EF4-FFF2-40B4-BE49-F238E27FC236}">
+                <a16:creationId xmlns:a16="http://schemas.microsoft.com/office/drawing/2014/main" id="{93FC7108-16CB-0ED1-6233-DA964526504A}"/>
+              </a:ext>
+            </a:extLst>
+          </p:cNvPr>
+          <p:cNvPicPr>
+            <a:picLocks noGrp="1" noChangeAspect="1"/>
+          </p:cNvPicPr>
+          <p:nvPr>
+            <p:ph idx="1"/>
+          </p:nvPr>
+        </p:nvPicPr>
+        <p:blipFill>
+          <a:blip r:embed="rId2"/>
+          <a:stretch>
+            <a:fillRect/>
+          </a:stretch>
+        </p:blipFill>
+        <p:spPr>
+          <a:xfrm>
+            <a:off x="2540832" y="3429000"/>
+            <a:ext cx="7278116" cy="790685"/>
+          </a:xfrm>
+        </p:spPr>
+      </p:pic>
+      <p:pic>
+        <p:nvPicPr>
+          <p:cNvPr id="6" name="Picture 5">
+            <a:extLst>
+              <a:ext uri="{FF2B5EF4-FFF2-40B4-BE49-F238E27FC236}">
+                <a16:creationId xmlns:a16="http://schemas.microsoft.com/office/drawing/2014/main" id="{B6782C35-61C7-CE11-783D-EB38CD7CC79F}"/>
+              </a:ext>
+            </a:extLst>
+          </p:cNvPr>
+          <p:cNvPicPr>
+            <a:picLocks noChangeAspect="1"/>
+          </p:cNvPicPr>
+          <p:nvPr/>
+        </p:nvPicPr>
+        <p:blipFill>
+          <a:blip r:embed="rId3"/>
+          <a:stretch>
+            <a:fillRect/>
+          </a:stretch>
+        </p:blipFill>
+        <p:spPr>
+          <a:xfrm>
+            <a:off x="4190734" y="1809714"/>
+            <a:ext cx="3810532" cy="1428949"/>
+          </a:xfrm>
+          <a:prstGeom prst="rect">
+            <a:avLst/>
+          </a:prstGeom>
+        </p:spPr>
+      </p:pic>
+    </p:spTree>
+    <p:extLst>
+      <p:ext uri="{BB962C8B-B14F-4D97-AF65-F5344CB8AC3E}">
+        <p14:creationId xmlns:p14="http://schemas.microsoft.com/office/powerpoint/2010/main" val="2331307112"/>
+      </p:ext>
+    </p:extLst>
+  </p:cSld>
+  <p:clrMapOvr>
+    <a:masterClrMapping/>
+  </p:clrMapOvr>
+</p:sld>
+</file>
+
+<file path=ppt/slides/slide26.xml><?xml version="1.0" encoding="utf-8"?>
+<p:sld xmlns:a="http://schemas.openxmlformats.org/drawingml/2006/main" xmlns:r="http://schemas.openxmlformats.org/officeDocument/2006/relationships" xmlns:p="http://schemas.openxmlformats.org/presentationml/2006/main">
+  <p:cSld>
+    <p:spTree>
+      <p:nvGrpSpPr>
+        <p:cNvPr id="1" name=""/>
+        <p:cNvGrpSpPr/>
+        <p:nvPr/>
+      </p:nvGrpSpPr>
+      <p:grpSpPr>
+        <a:xfrm>
+          <a:off x="0" y="0"/>
+          <a:ext cx="0" cy="0"/>
+          <a:chOff x="0" y="0"/>
+          <a:chExt cx="0" cy="0"/>
+        </a:xfrm>
+      </p:grpSpPr>
+      <p:sp>
+        <p:nvSpPr>
+          <p:cNvPr id="2" name="Title 1">
+            <a:extLst>
+              <a:ext uri="{FF2B5EF4-FFF2-40B4-BE49-F238E27FC236}">
+                <a16:creationId xmlns:a16="http://schemas.microsoft.com/office/drawing/2014/main" id="{277EE664-5462-F391-93FC-F6C37A0BD334}"/>
+              </a:ext>
+            </a:extLst>
+          </p:cNvPr>
+          <p:cNvSpPr>
+            <a:spLocks noGrp="1"/>
+          </p:cNvSpPr>
+          <p:nvPr>
+            <p:ph type="title"/>
+          </p:nvPr>
+        </p:nvSpPr>
+        <p:spPr/>
+        <p:txBody>
+          <a:bodyPr/>
+          <a:lstStyle/>
+          <a:p>
+            <a:r>
+              <a:rPr lang="en-NZ" dirty="0"/>
+              <a:t>34 Reflection</a:t>
+            </a:r>
+          </a:p>
+        </p:txBody>
+      </p:sp>
+      <p:pic>
+        <p:nvPicPr>
+          <p:cNvPr id="5" name="Content Placeholder 4">
+            <a:extLst>
+              <a:ext uri="{FF2B5EF4-FFF2-40B4-BE49-F238E27FC236}">
+                <a16:creationId xmlns:a16="http://schemas.microsoft.com/office/drawing/2014/main" id="{A897AA10-22E8-EDE4-82FF-42A1A620A053}"/>
+              </a:ext>
+            </a:extLst>
+          </p:cNvPr>
+          <p:cNvPicPr>
+            <a:picLocks noGrp="1" noChangeAspect="1"/>
+          </p:cNvPicPr>
+          <p:nvPr>
+            <p:ph idx="1"/>
+          </p:nvPr>
+        </p:nvPicPr>
+        <p:blipFill>
+          <a:blip r:embed="rId2"/>
+          <a:stretch>
+            <a:fillRect/>
+          </a:stretch>
+        </p:blipFill>
+        <p:spPr>
+          <a:xfrm>
+            <a:off x="5143367" y="1862606"/>
+            <a:ext cx="1905266" cy="905001"/>
+          </a:xfrm>
+        </p:spPr>
+      </p:pic>
+    </p:spTree>
+    <p:extLst>
+      <p:ext uri="{BB962C8B-B14F-4D97-AF65-F5344CB8AC3E}">
+        <p14:creationId xmlns:p14="http://schemas.microsoft.com/office/powerpoint/2010/main" val="2695994016"/>
+      </p:ext>
+    </p:extLst>
+  </p:cSld>
+  <p:clrMapOvr>
+    <a:masterClrMapping/>
+  </p:clrMapOvr>
+</p:sld>
+</file>
+
+<file path=ppt/slides/slide27.xml><?xml version="1.0" encoding="utf-8"?>
+<p:sld xmlns:a="http://schemas.openxmlformats.org/drawingml/2006/main" xmlns:r="http://schemas.openxmlformats.org/officeDocument/2006/relationships" xmlns:p="http://schemas.openxmlformats.org/presentationml/2006/main">
+  <p:cSld>
+    <p:spTree>
+      <p:nvGrpSpPr>
+        <p:cNvPr id="1" name=""/>
+        <p:cNvGrpSpPr/>
+        <p:nvPr/>
+      </p:nvGrpSpPr>
+      <p:grpSpPr>
+        <a:xfrm>
+          <a:off x="0" y="0"/>
+          <a:ext cx="0" cy="0"/>
+          <a:chOff x="0" y="0"/>
+          <a:chExt cx="0" cy="0"/>
+        </a:xfrm>
+      </p:grpSpPr>
+      <p:sp>
+        <p:nvSpPr>
+          <p:cNvPr id="2" name="Title 1">
+            <a:extLst>
+              <a:ext uri="{FF2B5EF4-FFF2-40B4-BE49-F238E27FC236}">
+                <a16:creationId xmlns:a16="http://schemas.microsoft.com/office/drawing/2014/main" id="{C1FD7359-502D-723C-A67D-73AA31A6E1A5}"/>
+              </a:ext>
+            </a:extLst>
+          </p:cNvPr>
+          <p:cNvSpPr>
+            <a:spLocks noGrp="1"/>
+          </p:cNvSpPr>
+          <p:nvPr>
+            <p:ph type="title"/>
+          </p:nvPr>
+        </p:nvSpPr>
+        <p:spPr/>
+        <p:txBody>
+          <a:bodyPr/>
+          <a:lstStyle/>
+          <a:p>
+            <a:r>
+              <a:rPr lang="en-NZ" dirty="0"/>
+              <a:t>35 Delegates</a:t>
+            </a:r>
+          </a:p>
+        </p:txBody>
+      </p:sp>
+      <p:pic>
+        <p:nvPicPr>
+          <p:cNvPr id="5" name="Content Placeholder 4">
+            <a:extLst>
+              <a:ext uri="{FF2B5EF4-FFF2-40B4-BE49-F238E27FC236}">
+                <a16:creationId xmlns:a16="http://schemas.microsoft.com/office/drawing/2014/main" id="{6F5EC581-93EA-DCFB-CDAD-0E45116E9C7B}"/>
+              </a:ext>
+            </a:extLst>
+          </p:cNvPr>
+          <p:cNvPicPr>
+            <a:picLocks noGrp="1" noChangeAspect="1"/>
+          </p:cNvPicPr>
+          <p:nvPr>
+            <p:ph idx="1"/>
+          </p:nvPr>
+        </p:nvPicPr>
+        <p:blipFill>
+          <a:blip r:embed="rId2"/>
+          <a:stretch>
+            <a:fillRect/>
+          </a:stretch>
+        </p:blipFill>
+        <p:spPr>
+          <a:xfrm>
+            <a:off x="4717948" y="1690688"/>
+            <a:ext cx="2286319" cy="1076475"/>
+          </a:xfrm>
+        </p:spPr>
+      </p:pic>
+      <p:pic>
+        <p:nvPicPr>
+          <p:cNvPr id="7" name="Picture 6">
+            <a:extLst>
+              <a:ext uri="{FF2B5EF4-FFF2-40B4-BE49-F238E27FC236}">
+                <a16:creationId xmlns:a16="http://schemas.microsoft.com/office/drawing/2014/main" id="{B73574DD-94EA-D1AD-B0F5-B2CA1380DCC1}"/>
+              </a:ext>
+            </a:extLst>
+          </p:cNvPr>
+          <p:cNvPicPr>
+            <a:picLocks noChangeAspect="1"/>
+          </p:cNvPicPr>
+          <p:nvPr/>
+        </p:nvPicPr>
+        <p:blipFill>
+          <a:blip r:embed="rId3"/>
+          <a:stretch>
+            <a:fillRect/>
+          </a:stretch>
+        </p:blipFill>
+        <p:spPr>
+          <a:xfrm>
+            <a:off x="3884395" y="2927020"/>
+            <a:ext cx="3953427" cy="1171739"/>
+          </a:xfrm>
+          <a:prstGeom prst="rect">
+            <a:avLst/>
+          </a:prstGeom>
+        </p:spPr>
+      </p:pic>
+    </p:spTree>
+    <p:extLst>
+      <p:ext uri="{BB962C8B-B14F-4D97-AF65-F5344CB8AC3E}">
+        <p14:creationId xmlns:p14="http://schemas.microsoft.com/office/powerpoint/2010/main" val="1201134665"/>
+      </p:ext>
+    </p:extLst>
+  </p:cSld>
+  <p:clrMapOvr>
+    <a:masterClrMapping/>
+  </p:clrMapOvr>
+</p:sld>
+</file>
+
+<file path=ppt/slides/slide28.xml><?xml version="1.0" encoding="utf-8"?>
+<p:sld xmlns:a="http://schemas.openxmlformats.org/drawingml/2006/main" xmlns:r="http://schemas.openxmlformats.org/officeDocument/2006/relationships" xmlns:p="http://schemas.openxmlformats.org/presentationml/2006/main">
+  <p:cSld>
+    <p:spTree>
+      <p:nvGrpSpPr>
+        <p:cNvPr id="1" name=""/>
+        <p:cNvGrpSpPr/>
+        <p:nvPr/>
+      </p:nvGrpSpPr>
+      <p:grpSpPr>
+        <a:xfrm>
+          <a:off x="0" y="0"/>
+          <a:ext cx="0" cy="0"/>
+          <a:chOff x="0" y="0"/>
+          <a:chExt cx="0" cy="0"/>
+        </a:xfrm>
+      </p:grpSpPr>
+      <p:sp>
+        <p:nvSpPr>
+          <p:cNvPr id="2" name="Title 1">
+            <a:extLst>
+              <a:ext uri="{FF2B5EF4-FFF2-40B4-BE49-F238E27FC236}">
+                <a16:creationId xmlns:a16="http://schemas.microsoft.com/office/drawing/2014/main" id="{41CBF2EE-209C-2DD7-CB98-AF3135481D6F}"/>
+              </a:ext>
+            </a:extLst>
+          </p:cNvPr>
+          <p:cNvSpPr>
+            <a:spLocks noGrp="1"/>
+          </p:cNvSpPr>
+          <p:nvPr>
+            <p:ph type="title"/>
+          </p:nvPr>
+        </p:nvSpPr>
+        <p:spPr/>
+        <p:txBody>
+          <a:bodyPr/>
+          <a:lstStyle/>
+          <a:p>
+            <a:r>
+              <a:rPr lang="en-NZ" dirty="0"/>
+              <a:t>36 Events</a:t>
+            </a:r>
+          </a:p>
+        </p:txBody>
+      </p:sp>
+      <p:sp>
+        <p:nvSpPr>
+          <p:cNvPr id="3" name="Content Placeholder 2">
+            <a:extLst>
+              <a:ext uri="{FF2B5EF4-FFF2-40B4-BE49-F238E27FC236}">
+                <a16:creationId xmlns:a16="http://schemas.microsoft.com/office/drawing/2014/main" id="{F8942821-C5A3-56D4-B498-9B30B3656E47}"/>
+              </a:ext>
+            </a:extLst>
+          </p:cNvPr>
+          <p:cNvSpPr>
+            <a:spLocks noGrp="1"/>
+          </p:cNvSpPr>
+          <p:nvPr>
+            <p:ph idx="1"/>
+          </p:nvPr>
+        </p:nvSpPr>
+        <p:spPr/>
+        <p:txBody>
+          <a:bodyPr/>
+          <a:lstStyle/>
+          <a:p>
+            <a:endParaRPr lang="en-NZ" dirty="0"/>
+          </a:p>
+        </p:txBody>
+      </p:sp>
+    </p:spTree>
+    <p:extLst>
+      <p:ext uri="{BB962C8B-B14F-4D97-AF65-F5344CB8AC3E}">
+        <p14:creationId xmlns:p14="http://schemas.microsoft.com/office/powerpoint/2010/main" val="2806994201"/>
+      </p:ext>
+    </p:extLst>
+  </p:cSld>
+  <p:clrMapOvr>
+    <a:masterClrMapping/>
+  </p:clrMapOvr>
+</p:sld>
+</file>
+
+<file path=ppt/slides/slide29.xml><?xml version="1.0" encoding="utf-8"?>
+<p:sld xmlns:a="http://schemas.openxmlformats.org/drawingml/2006/main" xmlns:r="http://schemas.openxmlformats.org/officeDocument/2006/relationships" xmlns:p="http://schemas.openxmlformats.org/presentationml/2006/main">
+  <p:cSld>
+    <p:spTree>
+      <p:nvGrpSpPr>
+        <p:cNvPr id="1" name=""/>
+        <p:cNvGrpSpPr/>
+        <p:nvPr/>
+      </p:nvGrpSpPr>
+      <p:grpSpPr>
+        <a:xfrm>
+          <a:off x="0" y="0"/>
+          <a:ext cx="0" cy="0"/>
+          <a:chOff x="0" y="0"/>
+          <a:chExt cx="0" cy="0"/>
+        </a:xfrm>
+      </p:grpSpPr>
+      <p:sp>
+        <p:nvSpPr>
+          <p:cNvPr id="2" name="Title 1">
+            <a:extLst>
+              <a:ext uri="{FF2B5EF4-FFF2-40B4-BE49-F238E27FC236}">
+                <a16:creationId xmlns:a16="http://schemas.microsoft.com/office/drawing/2014/main" id="{96A7A724-958D-15EC-C8EE-15605C87F843}"/>
+              </a:ext>
+            </a:extLst>
+          </p:cNvPr>
+          <p:cNvSpPr>
+            <a:spLocks noGrp="1"/>
+          </p:cNvSpPr>
+          <p:nvPr>
+            <p:ph type="title"/>
+          </p:nvPr>
+        </p:nvSpPr>
+        <p:spPr/>
+        <p:txBody>
+          <a:bodyPr/>
+          <a:lstStyle/>
+          <a:p>
+            <a:r>
+              <a:rPr lang="en-NZ" dirty="0"/>
+              <a:t>37 Indexers</a:t>
+            </a:r>
+          </a:p>
+        </p:txBody>
+      </p:sp>
+      <p:pic>
+        <p:nvPicPr>
+          <p:cNvPr id="5" name="Content Placeholder 4">
+            <a:extLst>
+              <a:ext uri="{FF2B5EF4-FFF2-40B4-BE49-F238E27FC236}">
+                <a16:creationId xmlns:a16="http://schemas.microsoft.com/office/drawing/2014/main" id="{FF9894AC-E615-A291-31F8-AAF246E24962}"/>
+              </a:ext>
+            </a:extLst>
+          </p:cNvPr>
+          <p:cNvPicPr>
+            <a:picLocks noGrp="1" noChangeAspect="1"/>
+          </p:cNvPicPr>
+          <p:nvPr>
+            <p:ph idx="1"/>
+          </p:nvPr>
+        </p:nvPicPr>
+        <p:blipFill>
+          <a:blip r:embed="rId2"/>
+          <a:stretch>
+            <a:fillRect/>
+          </a:stretch>
+        </p:blipFill>
+        <p:spPr>
+          <a:xfrm>
+            <a:off x="3666786" y="1788242"/>
+            <a:ext cx="4858428" cy="885949"/>
+          </a:xfrm>
+        </p:spPr>
+      </p:pic>
+    </p:spTree>
+    <p:extLst>
+      <p:ext uri="{BB962C8B-B14F-4D97-AF65-F5344CB8AC3E}">
+        <p14:creationId xmlns:p14="http://schemas.microsoft.com/office/powerpoint/2010/main" val="280185261"/>
       </p:ext>
     </p:extLst>
   </p:cSld>
@@ -4739,7 +5827,7 @@
           <a:p>
             <a:r>
               <a:rPr lang="en-NZ" dirty="0"/>
-              <a:t>2# Iteration Statement</a:t>
+              <a:t>2 Iteration Statement</a:t>
             </a:r>
           </a:p>
         </p:txBody>
@@ -4771,6 +5859,36 @@
             <a:off x="3704891" y="3229661"/>
             <a:ext cx="4782217" cy="1543265"/>
           </a:xfrm>
+        </p:spPr>
+      </p:pic>
+      <p:pic>
+        <p:nvPicPr>
+          <p:cNvPr id="4" name="Picture 3">
+            <a:extLst>
+              <a:ext uri="{FF2B5EF4-FFF2-40B4-BE49-F238E27FC236}">
+                <a16:creationId xmlns:a16="http://schemas.microsoft.com/office/drawing/2014/main" id="{812F5418-0A86-C6FC-0D04-0C53CB351068}"/>
+              </a:ext>
+            </a:extLst>
+          </p:cNvPr>
+          <p:cNvPicPr>
+            <a:picLocks noChangeAspect="1"/>
+          </p:cNvPicPr>
+          <p:nvPr/>
+        </p:nvPicPr>
+        <p:blipFill>
+          <a:blip r:embed="rId3"/>
+          <a:stretch>
+            <a:fillRect/>
+          </a:stretch>
+        </p:blipFill>
+        <p:spPr>
+          <a:xfrm>
+            <a:off x="4165139" y="1892969"/>
+            <a:ext cx="3677163" cy="857370"/>
+          </a:xfrm>
+          <a:prstGeom prst="rect">
+            <a:avLst/>
+          </a:prstGeom>
         </p:spPr>
       </p:pic>
     </p:spTree>
@@ -4826,7 +5944,7 @@
           <a:p>
             <a:r>
               <a:rPr lang="en-NZ" dirty="0"/>
-              <a:t>3# Constants</a:t>
+              <a:t>3 Constants</a:t>
             </a:r>
           </a:p>
         </p:txBody>
@@ -4855,7 +5973,7 @@
         </p:blipFill>
         <p:spPr>
           <a:xfrm>
-            <a:off x="2675765" y="2066734"/>
+            <a:off x="2726099" y="2644753"/>
             <a:ext cx="7125694" cy="857370"/>
           </a:xfrm>
         </p:spPr>
@@ -4882,8 +6000,38 @@
         </p:blipFill>
         <p:spPr>
           <a:xfrm>
-            <a:off x="3671549" y="3125440"/>
+            <a:off x="3671549" y="3838504"/>
             <a:ext cx="4848902" cy="1009791"/>
+          </a:xfrm>
+          <a:prstGeom prst="rect">
+            <a:avLst/>
+          </a:prstGeom>
+        </p:spPr>
+      </p:pic>
+      <p:pic>
+        <p:nvPicPr>
+          <p:cNvPr id="4" name="Picture 3">
+            <a:extLst>
+              <a:ext uri="{FF2B5EF4-FFF2-40B4-BE49-F238E27FC236}">
+                <a16:creationId xmlns:a16="http://schemas.microsoft.com/office/drawing/2014/main" id="{AAB2EBB6-059C-3AAB-231B-0A88FB28E1F7}"/>
+              </a:ext>
+            </a:extLst>
+          </p:cNvPr>
+          <p:cNvPicPr>
+            <a:picLocks noChangeAspect="1"/>
+          </p:cNvPicPr>
+          <p:nvPr/>
+        </p:nvPicPr>
+        <p:blipFill>
+          <a:blip r:embed="rId4"/>
+          <a:stretch>
+            <a:fillRect/>
+          </a:stretch>
+        </p:blipFill>
+        <p:spPr>
+          <a:xfrm>
+            <a:off x="4620128" y="1422423"/>
+            <a:ext cx="2800741" cy="885949"/>
           </a:xfrm>
           <a:prstGeom prst="rect">
             <a:avLst/>
@@ -4943,7 +6091,7 @@
           <a:p>
             <a:r>
               <a:rPr lang="en-NZ" dirty="0"/>
-              <a:t>4# Arrays</a:t>
+              <a:t>4 Arrays</a:t>
             </a:r>
           </a:p>
         </p:txBody>
@@ -4975,6 +6123,36 @@
             <a:off x="3619154" y="3277293"/>
             <a:ext cx="4953691" cy="1448002"/>
           </a:xfrm>
+        </p:spPr>
+      </p:pic>
+      <p:pic>
+        <p:nvPicPr>
+          <p:cNvPr id="4" name="Picture 3">
+            <a:extLst>
+              <a:ext uri="{FF2B5EF4-FFF2-40B4-BE49-F238E27FC236}">
+                <a16:creationId xmlns:a16="http://schemas.microsoft.com/office/drawing/2014/main" id="{BFAAB0A2-C23D-EE0E-C7BC-6ECB4EAE21A6}"/>
+              </a:ext>
+            </a:extLst>
+          </p:cNvPr>
+          <p:cNvPicPr>
+            <a:picLocks noChangeAspect="1"/>
+          </p:cNvPicPr>
+          <p:nvPr/>
+        </p:nvPicPr>
+        <p:blipFill>
+          <a:blip r:embed="rId3"/>
+          <a:stretch>
+            <a:fillRect/>
+          </a:stretch>
+        </p:blipFill>
+        <p:spPr>
+          <a:xfrm>
+            <a:off x="4781365" y="2201796"/>
+            <a:ext cx="2629267" cy="743054"/>
+          </a:xfrm>
+          <a:prstGeom prst="rect">
+            <a:avLst/>
+          </a:prstGeom>
         </p:spPr>
       </p:pic>
     </p:spTree>

--- a/Assessment1/Assessment1.pptx
+++ b/Assessment1/Assessment1.pptx
@@ -6,34 +6,35 @@
   </p:sldMasterIdLst>
   <p:sldIdLst>
     <p:sldId id="256" r:id="rId2"/>
-    <p:sldId id="257" r:id="rId3"/>
-    <p:sldId id="258" r:id="rId4"/>
-    <p:sldId id="259" r:id="rId5"/>
-    <p:sldId id="260" r:id="rId6"/>
-    <p:sldId id="261" r:id="rId7"/>
-    <p:sldId id="262" r:id="rId8"/>
-    <p:sldId id="263" r:id="rId9"/>
-    <p:sldId id="264" r:id="rId10"/>
-    <p:sldId id="265" r:id="rId11"/>
-    <p:sldId id="266" r:id="rId12"/>
-    <p:sldId id="267" r:id="rId13"/>
-    <p:sldId id="268" r:id="rId14"/>
-    <p:sldId id="269" r:id="rId15"/>
-    <p:sldId id="270" r:id="rId16"/>
-    <p:sldId id="271" r:id="rId17"/>
-    <p:sldId id="272" r:id="rId18"/>
-    <p:sldId id="273" r:id="rId19"/>
-    <p:sldId id="274" r:id="rId20"/>
-    <p:sldId id="275" r:id="rId21"/>
-    <p:sldId id="276" r:id="rId22"/>
-    <p:sldId id="277" r:id="rId23"/>
-    <p:sldId id="278" r:id="rId24"/>
-    <p:sldId id="279" r:id="rId25"/>
-    <p:sldId id="280" r:id="rId26"/>
-    <p:sldId id="281" r:id="rId27"/>
-    <p:sldId id="282" r:id="rId28"/>
-    <p:sldId id="283" r:id="rId29"/>
-    <p:sldId id="284" r:id="rId30"/>
+    <p:sldId id="285" r:id="rId3"/>
+    <p:sldId id="257" r:id="rId4"/>
+    <p:sldId id="258" r:id="rId5"/>
+    <p:sldId id="259" r:id="rId6"/>
+    <p:sldId id="260" r:id="rId7"/>
+    <p:sldId id="261" r:id="rId8"/>
+    <p:sldId id="262" r:id="rId9"/>
+    <p:sldId id="263" r:id="rId10"/>
+    <p:sldId id="264" r:id="rId11"/>
+    <p:sldId id="265" r:id="rId12"/>
+    <p:sldId id="266" r:id="rId13"/>
+    <p:sldId id="267" r:id="rId14"/>
+    <p:sldId id="268" r:id="rId15"/>
+    <p:sldId id="269" r:id="rId16"/>
+    <p:sldId id="270" r:id="rId17"/>
+    <p:sldId id="271" r:id="rId18"/>
+    <p:sldId id="272" r:id="rId19"/>
+    <p:sldId id="273" r:id="rId20"/>
+    <p:sldId id="274" r:id="rId21"/>
+    <p:sldId id="275" r:id="rId22"/>
+    <p:sldId id="276" r:id="rId23"/>
+    <p:sldId id="277" r:id="rId24"/>
+    <p:sldId id="278" r:id="rId25"/>
+    <p:sldId id="279" r:id="rId26"/>
+    <p:sldId id="280" r:id="rId27"/>
+    <p:sldId id="281" r:id="rId28"/>
+    <p:sldId id="282" r:id="rId29"/>
+    <p:sldId id="283" r:id="rId30"/>
+    <p:sldId id="284" r:id="rId31"/>
   </p:sldIdLst>
   <p:sldSz cx="12192000" cy="6858000"/>
   <p:notesSz cx="6858000" cy="9144000"/>
@@ -3425,10 +3426,9 @@
           <a:lstStyle/>
           <a:p>
             <a:r>
-              <a:rPr lang="en-NZ"/>
-              <a:t>35/37</a:t>
-            </a:r>
-            <a:endParaRPr lang="en-NZ" dirty="0"/>
+              <a:rPr lang="en-NZ" dirty="0"/>
+              <a:t>37/37</a:t>
+            </a:r>
           </a:p>
           <a:p>
             <a:endParaRPr lang="en-NZ" dirty="0"/>
@@ -3470,7 +3470,7 @@
           <p:cNvPr id="2" name="Title 1">
             <a:extLst>
               <a:ext uri="{FF2B5EF4-FFF2-40B4-BE49-F238E27FC236}">
-                <a16:creationId xmlns:a16="http://schemas.microsoft.com/office/drawing/2014/main" id="{5F98321E-4E9F-23E2-6CC1-9F7C800A71CA}"/>
+                <a16:creationId xmlns:a16="http://schemas.microsoft.com/office/drawing/2014/main" id="{9E8256EB-FDDB-0574-37FC-22C0CCD9265B}"/>
               </a:ext>
             </a:extLst>
           </p:cNvPr>
@@ -3488,7 +3488,7 @@
           <a:p>
             <a:r>
               <a:rPr lang="en-NZ" dirty="0"/>
-              <a:t>12 Expression body definitions =&gt;</a:t>
+              <a:t>11 Passing by reference </a:t>
             </a:r>
           </a:p>
         </p:txBody>
@@ -3498,7 +3498,7 @@
           <p:cNvPr id="5" name="Content Placeholder 4">
             <a:extLst>
               <a:ext uri="{FF2B5EF4-FFF2-40B4-BE49-F238E27FC236}">
-                <a16:creationId xmlns:a16="http://schemas.microsoft.com/office/drawing/2014/main" id="{B5700526-7C8F-7A55-019B-855911CD9E20}"/>
+                <a16:creationId xmlns:a16="http://schemas.microsoft.com/office/drawing/2014/main" id="{639C0542-CEDD-437A-59F7-E06188E40BC2}"/>
               </a:ext>
             </a:extLst>
           </p:cNvPr>
@@ -3517,8 +3517,8 @@
         </p:blipFill>
         <p:spPr>
           <a:xfrm>
-            <a:off x="4424129" y="1943580"/>
-            <a:ext cx="3343742" cy="743054"/>
+            <a:off x="3295259" y="1903669"/>
+            <a:ext cx="5601482" cy="1190791"/>
           </a:xfrm>
         </p:spPr>
       </p:pic>
@@ -3527,7 +3527,7 @@
           <p:cNvPr id="7" name="Picture 6">
             <a:extLst>
               <a:ext uri="{FF2B5EF4-FFF2-40B4-BE49-F238E27FC236}">
-                <a16:creationId xmlns:a16="http://schemas.microsoft.com/office/drawing/2014/main" id="{191A63CD-2886-8542-67DF-FD294D806C0F}"/>
+                <a16:creationId xmlns:a16="http://schemas.microsoft.com/office/drawing/2014/main" id="{8E02192A-1727-6065-4C27-0A657E04D04F}"/>
               </a:ext>
             </a:extLst>
           </p:cNvPr>
@@ -3544,8 +3544,8 @@
         </p:blipFill>
         <p:spPr>
           <a:xfrm>
-            <a:off x="4424129" y="2939526"/>
-            <a:ext cx="3410426" cy="2238687"/>
+            <a:off x="3333364" y="3307441"/>
+            <a:ext cx="5525271" cy="1343212"/>
           </a:xfrm>
           <a:prstGeom prst="rect">
             <a:avLst/>
@@ -3555,7 +3555,7 @@
     </p:spTree>
     <p:extLst>
       <p:ext uri="{BB962C8B-B14F-4D97-AF65-F5344CB8AC3E}">
-        <p14:creationId xmlns:p14="http://schemas.microsoft.com/office/powerpoint/2010/main" val="36588438"/>
+        <p14:creationId xmlns:p14="http://schemas.microsoft.com/office/powerpoint/2010/main" val="1240239650"/>
       </p:ext>
     </p:extLst>
   </p:cSld>
@@ -3587,7 +3587,7 @@
           <p:cNvPr id="2" name="Title 1">
             <a:extLst>
               <a:ext uri="{FF2B5EF4-FFF2-40B4-BE49-F238E27FC236}">
-                <a16:creationId xmlns:a16="http://schemas.microsoft.com/office/drawing/2014/main" id="{0E78DEDC-9B57-CC19-62FF-54B9C9C4EE26}"/>
+                <a16:creationId xmlns:a16="http://schemas.microsoft.com/office/drawing/2014/main" id="{5F98321E-4E9F-23E2-6CC1-9F7C800A71CA}"/>
               </a:ext>
             </a:extLst>
           </p:cNvPr>
@@ -3605,7 +3605,7 @@
           <a:p>
             <a:r>
               <a:rPr lang="en-NZ" dirty="0"/>
-              <a:t>13 Lambda expressions</a:t>
+              <a:t>12 Expression body definitions =&gt;</a:t>
             </a:r>
           </a:p>
         </p:txBody>
@@ -3615,7 +3615,7 @@
           <p:cNvPr id="5" name="Content Placeholder 4">
             <a:extLst>
               <a:ext uri="{FF2B5EF4-FFF2-40B4-BE49-F238E27FC236}">
-                <a16:creationId xmlns:a16="http://schemas.microsoft.com/office/drawing/2014/main" id="{B48FEE99-2F88-1059-775F-03200AAA3540}"/>
+                <a16:creationId xmlns:a16="http://schemas.microsoft.com/office/drawing/2014/main" id="{B5700526-7C8F-7A55-019B-855911CD9E20}"/>
               </a:ext>
             </a:extLst>
           </p:cNvPr>
@@ -3634,15 +3634,45 @@
         </p:blipFill>
         <p:spPr>
           <a:xfrm>
-            <a:off x="4752787" y="2055124"/>
-            <a:ext cx="2686425" cy="771633"/>
-          </a:xfrm>
+            <a:off x="4424129" y="1943580"/>
+            <a:ext cx="3343742" cy="743054"/>
+          </a:xfrm>
+        </p:spPr>
+      </p:pic>
+      <p:pic>
+        <p:nvPicPr>
+          <p:cNvPr id="7" name="Picture 6">
+            <a:extLst>
+              <a:ext uri="{FF2B5EF4-FFF2-40B4-BE49-F238E27FC236}">
+                <a16:creationId xmlns:a16="http://schemas.microsoft.com/office/drawing/2014/main" id="{191A63CD-2886-8542-67DF-FD294D806C0F}"/>
+              </a:ext>
+            </a:extLst>
+          </p:cNvPr>
+          <p:cNvPicPr>
+            <a:picLocks noChangeAspect="1"/>
+          </p:cNvPicPr>
+          <p:nvPr/>
+        </p:nvPicPr>
+        <p:blipFill>
+          <a:blip r:embed="rId3"/>
+          <a:stretch>
+            <a:fillRect/>
+          </a:stretch>
+        </p:blipFill>
+        <p:spPr>
+          <a:xfrm>
+            <a:off x="4424129" y="2939526"/>
+            <a:ext cx="3410426" cy="2238687"/>
+          </a:xfrm>
+          <a:prstGeom prst="rect">
+            <a:avLst/>
+          </a:prstGeom>
         </p:spPr>
       </p:pic>
     </p:spTree>
     <p:extLst>
       <p:ext uri="{BB962C8B-B14F-4D97-AF65-F5344CB8AC3E}">
-        <p14:creationId xmlns:p14="http://schemas.microsoft.com/office/powerpoint/2010/main" val="2618309257"/>
+        <p14:creationId xmlns:p14="http://schemas.microsoft.com/office/powerpoint/2010/main" val="36588438"/>
       </p:ext>
     </p:extLst>
   </p:cSld>
@@ -3674,7 +3704,7 @@
           <p:cNvPr id="2" name="Title 1">
             <a:extLst>
               <a:ext uri="{FF2B5EF4-FFF2-40B4-BE49-F238E27FC236}">
-                <a16:creationId xmlns:a16="http://schemas.microsoft.com/office/drawing/2014/main" id="{B293A22A-8E4F-8184-F0C5-A5D107920CC1}"/>
+                <a16:creationId xmlns:a16="http://schemas.microsoft.com/office/drawing/2014/main" id="{0E78DEDC-9B57-CC19-62FF-54B9C9C4EE26}"/>
               </a:ext>
             </a:extLst>
           </p:cNvPr>
@@ -3692,7 +3722,7 @@
           <a:p>
             <a:r>
               <a:rPr lang="en-NZ" dirty="0"/>
-              <a:t>14 Generic Methods</a:t>
+              <a:t>13 Lambda expressions</a:t>
             </a:r>
           </a:p>
         </p:txBody>
@@ -3702,7 +3732,7 @@
           <p:cNvPr id="5" name="Content Placeholder 4">
             <a:extLst>
               <a:ext uri="{FF2B5EF4-FFF2-40B4-BE49-F238E27FC236}">
-                <a16:creationId xmlns:a16="http://schemas.microsoft.com/office/drawing/2014/main" id="{FB1CC972-01BB-4AE5-1326-5EDCAD517C35}"/>
+                <a16:creationId xmlns:a16="http://schemas.microsoft.com/office/drawing/2014/main" id="{B48FEE99-2F88-1059-775F-03200AAA3540}"/>
               </a:ext>
             </a:extLst>
           </p:cNvPr>
@@ -3721,45 +3751,15 @@
         </p:blipFill>
         <p:spPr>
           <a:xfrm>
-            <a:off x="5119551" y="2061735"/>
-            <a:ext cx="1952898" cy="590632"/>
-          </a:xfrm>
-        </p:spPr>
-      </p:pic>
-      <p:pic>
-        <p:nvPicPr>
-          <p:cNvPr id="7" name="Picture 6">
-            <a:extLst>
-              <a:ext uri="{FF2B5EF4-FFF2-40B4-BE49-F238E27FC236}">
-                <a16:creationId xmlns:a16="http://schemas.microsoft.com/office/drawing/2014/main" id="{E62BDFD6-9446-179F-90CE-61250EF0C558}"/>
-              </a:ext>
-            </a:extLst>
-          </p:cNvPr>
-          <p:cNvPicPr>
-            <a:picLocks noChangeAspect="1"/>
-          </p:cNvPicPr>
-          <p:nvPr/>
-        </p:nvPicPr>
-        <p:blipFill>
-          <a:blip r:embed="rId3"/>
-          <a:stretch>
-            <a:fillRect/>
-          </a:stretch>
-        </p:blipFill>
-        <p:spPr>
-          <a:xfrm>
-            <a:off x="3885891" y="2857658"/>
-            <a:ext cx="4420217" cy="2695951"/>
-          </a:xfrm>
-          <a:prstGeom prst="rect">
-            <a:avLst/>
-          </a:prstGeom>
+            <a:off x="4752787" y="2055124"/>
+            <a:ext cx="2686425" cy="771633"/>
+          </a:xfrm>
         </p:spPr>
       </p:pic>
     </p:spTree>
     <p:extLst>
       <p:ext uri="{BB962C8B-B14F-4D97-AF65-F5344CB8AC3E}">
-        <p14:creationId xmlns:p14="http://schemas.microsoft.com/office/powerpoint/2010/main" val="2145650779"/>
+        <p14:creationId xmlns:p14="http://schemas.microsoft.com/office/powerpoint/2010/main" val="2618309257"/>
       </p:ext>
     </p:extLst>
   </p:cSld>
@@ -3791,7 +3791,7 @@
           <p:cNvPr id="2" name="Title 1">
             <a:extLst>
               <a:ext uri="{FF2B5EF4-FFF2-40B4-BE49-F238E27FC236}">
-                <a16:creationId xmlns:a16="http://schemas.microsoft.com/office/drawing/2014/main" id="{D88F66C1-783C-4869-A582-534CAA147312}"/>
+                <a16:creationId xmlns:a16="http://schemas.microsoft.com/office/drawing/2014/main" id="{B293A22A-8E4F-8184-F0C5-A5D107920CC1}"/>
               </a:ext>
             </a:extLst>
           </p:cNvPr>
@@ -3809,7 +3809,7 @@
           <a:p>
             <a:r>
               <a:rPr lang="en-NZ" dirty="0"/>
-              <a:t>15 Interfaces, 16 Inheritance</a:t>
+              <a:t>14 Generic Methods</a:t>
             </a:r>
           </a:p>
         </p:txBody>
@@ -3819,7 +3819,7 @@
           <p:cNvPr id="5" name="Content Placeholder 4">
             <a:extLst>
               <a:ext uri="{FF2B5EF4-FFF2-40B4-BE49-F238E27FC236}">
-                <a16:creationId xmlns:a16="http://schemas.microsoft.com/office/drawing/2014/main" id="{9C62F483-27B5-622C-229A-6C613CDF0E9F}"/>
+                <a16:creationId xmlns:a16="http://schemas.microsoft.com/office/drawing/2014/main" id="{FB1CC972-01BB-4AE5-1326-5EDCAD517C35}"/>
               </a:ext>
             </a:extLst>
           </p:cNvPr>
@@ -3838,8 +3838,8 @@
         </p:blipFill>
         <p:spPr>
           <a:xfrm>
-            <a:off x="4814708" y="1950061"/>
-            <a:ext cx="2562583" cy="762106"/>
+            <a:off x="5119551" y="2061735"/>
+            <a:ext cx="1952898" cy="590632"/>
           </a:xfrm>
         </p:spPr>
       </p:pic>
@@ -3848,7 +3848,7 @@
           <p:cNvPr id="7" name="Picture 6">
             <a:extLst>
               <a:ext uri="{FF2B5EF4-FFF2-40B4-BE49-F238E27FC236}">
-                <a16:creationId xmlns:a16="http://schemas.microsoft.com/office/drawing/2014/main" id="{929222A3-BA8C-9321-84AE-0F4A6906E3E0}"/>
+                <a16:creationId xmlns:a16="http://schemas.microsoft.com/office/drawing/2014/main" id="{E62BDFD6-9446-179F-90CE-61250EF0C558}"/>
               </a:ext>
             </a:extLst>
           </p:cNvPr>
@@ -3865,38 +3865,8 @@
         </p:blipFill>
         <p:spPr>
           <a:xfrm>
-            <a:off x="7571416" y="1535665"/>
-            <a:ext cx="2610214" cy="1590897"/>
-          </a:xfrm>
-          <a:prstGeom prst="rect">
-            <a:avLst/>
-          </a:prstGeom>
-        </p:spPr>
-      </p:pic>
-      <p:pic>
-        <p:nvPicPr>
-          <p:cNvPr id="9" name="Picture 8">
-            <a:extLst>
-              <a:ext uri="{FF2B5EF4-FFF2-40B4-BE49-F238E27FC236}">
-                <a16:creationId xmlns:a16="http://schemas.microsoft.com/office/drawing/2014/main" id="{0509DF51-2790-2F69-E7FB-C2BF6830E79C}"/>
-              </a:ext>
-            </a:extLst>
-          </p:cNvPr>
-          <p:cNvPicPr>
-            <a:picLocks noChangeAspect="1"/>
-          </p:cNvPicPr>
-          <p:nvPr/>
-        </p:nvPicPr>
-        <p:blipFill>
-          <a:blip r:embed="rId4"/>
-          <a:stretch>
-            <a:fillRect/>
-          </a:stretch>
-        </p:blipFill>
-        <p:spPr>
-          <a:xfrm>
-            <a:off x="3966864" y="3355148"/>
-            <a:ext cx="4258269" cy="1581371"/>
+            <a:off x="3885891" y="2857658"/>
+            <a:ext cx="4420217" cy="2695951"/>
           </a:xfrm>
           <a:prstGeom prst="rect">
             <a:avLst/>
@@ -3906,7 +3876,7 @@
     </p:spTree>
     <p:extLst>
       <p:ext uri="{BB962C8B-B14F-4D97-AF65-F5344CB8AC3E}">
-        <p14:creationId xmlns:p14="http://schemas.microsoft.com/office/powerpoint/2010/main" val="1478824862"/>
+        <p14:creationId xmlns:p14="http://schemas.microsoft.com/office/powerpoint/2010/main" val="2145650779"/>
       </p:ext>
     </p:extLst>
   </p:cSld>
@@ -3938,7 +3908,7 @@
           <p:cNvPr id="2" name="Title 1">
             <a:extLst>
               <a:ext uri="{FF2B5EF4-FFF2-40B4-BE49-F238E27FC236}">
-                <a16:creationId xmlns:a16="http://schemas.microsoft.com/office/drawing/2014/main" id="{D1D326F4-1043-4A38-634C-4D8D1F396C7F}"/>
+                <a16:creationId xmlns:a16="http://schemas.microsoft.com/office/drawing/2014/main" id="{D88F66C1-783C-4869-A582-534CAA147312}"/>
               </a:ext>
             </a:extLst>
           </p:cNvPr>
@@ -3956,24 +3926,26 @@
           <a:p>
             <a:r>
               <a:rPr lang="en-NZ" dirty="0"/>
-              <a:t>17 Virtual</a:t>
+              <a:t>15 Interfaces, 16 Inheritance</a:t>
             </a:r>
           </a:p>
         </p:txBody>
       </p:sp>
       <p:pic>
         <p:nvPicPr>
-          <p:cNvPr id="7" name="Picture 6">
-            <a:extLst>
-              <a:ext uri="{FF2B5EF4-FFF2-40B4-BE49-F238E27FC236}">
-                <a16:creationId xmlns:a16="http://schemas.microsoft.com/office/drawing/2014/main" id="{A79FCD8E-ECFE-E55E-ACC6-BE1387E8F021}"/>
+          <p:cNvPr id="5" name="Content Placeholder 4">
+            <a:extLst>
+              <a:ext uri="{FF2B5EF4-FFF2-40B4-BE49-F238E27FC236}">
+                <a16:creationId xmlns:a16="http://schemas.microsoft.com/office/drawing/2014/main" id="{9C62F483-27B5-622C-229A-6C613CDF0E9F}"/>
               </a:ext>
             </a:extLst>
           </p:cNvPr>
           <p:cNvPicPr>
-            <a:picLocks noChangeAspect="1"/>
+            <a:picLocks noGrp="1" noChangeAspect="1"/>
           </p:cNvPicPr>
-          <p:nvPr/>
+          <p:nvPr>
+            <p:ph idx="1"/>
+          </p:nvPr>
         </p:nvPicPr>
         <p:blipFill>
           <a:blip r:embed="rId2"/>
@@ -3983,29 +3955,24 @@
         </p:blipFill>
         <p:spPr>
           <a:xfrm>
-            <a:off x="5338703" y="1348657"/>
-            <a:ext cx="4906060" cy="5144218"/>
-          </a:xfrm>
-          <a:prstGeom prst="rect">
-            <a:avLst/>
-          </a:prstGeom>
+            <a:off x="4814708" y="1950061"/>
+            <a:ext cx="2562583" cy="762106"/>
+          </a:xfrm>
         </p:spPr>
       </p:pic>
       <p:pic>
         <p:nvPicPr>
-          <p:cNvPr id="13" name="Content Placeholder 12">
-            <a:extLst>
-              <a:ext uri="{FF2B5EF4-FFF2-40B4-BE49-F238E27FC236}">
-                <a16:creationId xmlns:a16="http://schemas.microsoft.com/office/drawing/2014/main" id="{F523195A-C077-F145-87B7-D94FF50847BA}"/>
+          <p:cNvPr id="7" name="Picture 6">
+            <a:extLst>
+              <a:ext uri="{FF2B5EF4-FFF2-40B4-BE49-F238E27FC236}">
+                <a16:creationId xmlns:a16="http://schemas.microsoft.com/office/drawing/2014/main" id="{929222A3-BA8C-9321-84AE-0F4A6906E3E0}"/>
               </a:ext>
             </a:extLst>
           </p:cNvPr>
           <p:cNvPicPr>
-            <a:picLocks noGrp="1" noChangeAspect="1"/>
+            <a:picLocks noChangeAspect="1"/>
           </p:cNvPicPr>
-          <p:nvPr>
-            <p:ph idx="1"/>
-          </p:nvPr>
+          <p:nvPr/>
         </p:nvPicPr>
         <p:blipFill>
           <a:blip r:embed="rId3"/>
@@ -4015,15 +3982,48 @@
         </p:blipFill>
         <p:spPr>
           <a:xfrm>
-            <a:off x="838200" y="1690688"/>
-            <a:ext cx="4324954" cy="1114581"/>
-          </a:xfrm>
+            <a:off x="7571416" y="1535665"/>
+            <a:ext cx="2610214" cy="1590897"/>
+          </a:xfrm>
+          <a:prstGeom prst="rect">
+            <a:avLst/>
+          </a:prstGeom>
+        </p:spPr>
+      </p:pic>
+      <p:pic>
+        <p:nvPicPr>
+          <p:cNvPr id="9" name="Picture 8">
+            <a:extLst>
+              <a:ext uri="{FF2B5EF4-FFF2-40B4-BE49-F238E27FC236}">
+                <a16:creationId xmlns:a16="http://schemas.microsoft.com/office/drawing/2014/main" id="{0509DF51-2790-2F69-E7FB-C2BF6830E79C}"/>
+              </a:ext>
+            </a:extLst>
+          </p:cNvPr>
+          <p:cNvPicPr>
+            <a:picLocks noChangeAspect="1"/>
+          </p:cNvPicPr>
+          <p:nvPr/>
+        </p:nvPicPr>
+        <p:blipFill>
+          <a:blip r:embed="rId4"/>
+          <a:stretch>
+            <a:fillRect/>
+          </a:stretch>
+        </p:blipFill>
+        <p:spPr>
+          <a:xfrm>
+            <a:off x="3966864" y="3355148"/>
+            <a:ext cx="4258269" cy="1581371"/>
+          </a:xfrm>
+          <a:prstGeom prst="rect">
+            <a:avLst/>
+          </a:prstGeom>
         </p:spPr>
       </p:pic>
     </p:spTree>
     <p:extLst>
       <p:ext uri="{BB962C8B-B14F-4D97-AF65-F5344CB8AC3E}">
-        <p14:creationId xmlns:p14="http://schemas.microsoft.com/office/powerpoint/2010/main" val="3599846442"/>
+        <p14:creationId xmlns:p14="http://schemas.microsoft.com/office/powerpoint/2010/main" val="1478824862"/>
       </p:ext>
     </p:extLst>
   </p:cSld>
@@ -4055,7 +4055,7 @@
           <p:cNvPr id="2" name="Title 1">
             <a:extLst>
               <a:ext uri="{FF2B5EF4-FFF2-40B4-BE49-F238E27FC236}">
-                <a16:creationId xmlns:a16="http://schemas.microsoft.com/office/drawing/2014/main" id="{D87E05A8-C9C2-C2CA-173D-5AAEEAE0AEF6}"/>
+                <a16:creationId xmlns:a16="http://schemas.microsoft.com/office/drawing/2014/main" id="{D1D326F4-1043-4A38-634C-4D8D1F396C7F}"/>
               </a:ext>
             </a:extLst>
           </p:cNvPr>
@@ -4073,26 +4073,24 @@
           <a:p>
             <a:r>
               <a:rPr lang="en-NZ" dirty="0"/>
-              <a:t>18 Overload</a:t>
+              <a:t>17 Virtual</a:t>
             </a:r>
           </a:p>
         </p:txBody>
       </p:sp>
       <p:pic>
         <p:nvPicPr>
-          <p:cNvPr id="5" name="Content Placeholder 4">
-            <a:extLst>
-              <a:ext uri="{FF2B5EF4-FFF2-40B4-BE49-F238E27FC236}">
-                <a16:creationId xmlns:a16="http://schemas.microsoft.com/office/drawing/2014/main" id="{FF97A1F2-0339-C711-2B7F-6F944E17F12F}"/>
+          <p:cNvPr id="7" name="Picture 6">
+            <a:extLst>
+              <a:ext uri="{FF2B5EF4-FFF2-40B4-BE49-F238E27FC236}">
+                <a16:creationId xmlns:a16="http://schemas.microsoft.com/office/drawing/2014/main" id="{A79FCD8E-ECFE-E55E-ACC6-BE1387E8F021}"/>
               </a:ext>
             </a:extLst>
           </p:cNvPr>
           <p:cNvPicPr>
-            <a:picLocks noGrp="1" noChangeAspect="1"/>
+            <a:picLocks noChangeAspect="1"/>
           </p:cNvPicPr>
-          <p:nvPr>
-            <p:ph idx="1"/>
-          </p:nvPr>
+          <p:nvPr/>
         </p:nvPicPr>
         <p:blipFill>
           <a:blip r:embed="rId2"/>
@@ -4102,24 +4100,29 @@
         </p:blipFill>
         <p:spPr>
           <a:xfrm>
-            <a:off x="4800419" y="1857146"/>
-            <a:ext cx="2591162" cy="724001"/>
-          </a:xfrm>
+            <a:off x="5338703" y="1348657"/>
+            <a:ext cx="4906060" cy="5144218"/>
+          </a:xfrm>
+          <a:prstGeom prst="rect">
+            <a:avLst/>
+          </a:prstGeom>
         </p:spPr>
       </p:pic>
       <p:pic>
         <p:nvPicPr>
-          <p:cNvPr id="7" name="Picture 6">
-            <a:extLst>
-              <a:ext uri="{FF2B5EF4-FFF2-40B4-BE49-F238E27FC236}">
-                <a16:creationId xmlns:a16="http://schemas.microsoft.com/office/drawing/2014/main" id="{7EE415E3-9078-C28C-C03F-CDB0EAA8B453}"/>
+          <p:cNvPr id="13" name="Content Placeholder 12">
+            <a:extLst>
+              <a:ext uri="{FF2B5EF4-FFF2-40B4-BE49-F238E27FC236}">
+                <a16:creationId xmlns:a16="http://schemas.microsoft.com/office/drawing/2014/main" id="{F523195A-C077-F145-87B7-D94FF50847BA}"/>
               </a:ext>
             </a:extLst>
           </p:cNvPr>
           <p:cNvPicPr>
-            <a:picLocks noChangeAspect="1"/>
+            <a:picLocks noGrp="1" noChangeAspect="1"/>
           </p:cNvPicPr>
-          <p:nvPr/>
+          <p:nvPr>
+            <p:ph idx="1"/>
+          </p:nvPr>
         </p:nvPicPr>
         <p:blipFill>
           <a:blip r:embed="rId3"/>
@@ -4129,18 +4132,15 @@
         </p:blipFill>
         <p:spPr>
           <a:xfrm>
-            <a:off x="4600366" y="2950597"/>
-            <a:ext cx="2991267" cy="1609950"/>
-          </a:xfrm>
-          <a:prstGeom prst="rect">
-            <a:avLst/>
-          </a:prstGeom>
+            <a:off x="838200" y="1690688"/>
+            <a:ext cx="4324954" cy="1114581"/>
+          </a:xfrm>
         </p:spPr>
       </p:pic>
     </p:spTree>
     <p:extLst>
       <p:ext uri="{BB962C8B-B14F-4D97-AF65-F5344CB8AC3E}">
-        <p14:creationId xmlns:p14="http://schemas.microsoft.com/office/powerpoint/2010/main" val="1352936911"/>
+        <p14:creationId xmlns:p14="http://schemas.microsoft.com/office/powerpoint/2010/main" val="3599846442"/>
       </p:ext>
     </p:extLst>
   </p:cSld>
@@ -4172,7 +4172,7 @@
           <p:cNvPr id="2" name="Title 1">
             <a:extLst>
               <a:ext uri="{FF2B5EF4-FFF2-40B4-BE49-F238E27FC236}">
-                <a16:creationId xmlns:a16="http://schemas.microsoft.com/office/drawing/2014/main" id="{D68C9036-F36C-5BDC-4230-7B0BD11C1855}"/>
+                <a16:creationId xmlns:a16="http://schemas.microsoft.com/office/drawing/2014/main" id="{D87E05A8-C9C2-C2CA-173D-5AAEEAE0AEF6}"/>
               </a:ext>
             </a:extLst>
           </p:cNvPr>
@@ -4190,7 +4190,7 @@
           <a:p>
             <a:r>
               <a:rPr lang="en-NZ" dirty="0"/>
-              <a:t>19 Override, 22 Base</a:t>
+              <a:t>18 Overload</a:t>
             </a:r>
           </a:p>
         </p:txBody>
@@ -4200,7 +4200,7 @@
           <p:cNvPr id="5" name="Content Placeholder 4">
             <a:extLst>
               <a:ext uri="{FF2B5EF4-FFF2-40B4-BE49-F238E27FC236}">
-                <a16:creationId xmlns:a16="http://schemas.microsoft.com/office/drawing/2014/main" id="{A32A7574-3AAE-968B-8C51-0ED4C5FD7AC6}"/>
+                <a16:creationId xmlns:a16="http://schemas.microsoft.com/office/drawing/2014/main" id="{FF97A1F2-0339-C711-2B7F-6F944E17F12F}"/>
               </a:ext>
             </a:extLst>
           </p:cNvPr>
@@ -4219,8 +4219,8 @@
         </p:blipFill>
         <p:spPr>
           <a:xfrm>
-            <a:off x="2928495" y="1296194"/>
-            <a:ext cx="6335009" cy="1162212"/>
+            <a:off x="4800419" y="1857146"/>
+            <a:ext cx="2591162" cy="724001"/>
           </a:xfrm>
         </p:spPr>
       </p:pic>
@@ -4229,7 +4229,7 @@
           <p:cNvPr id="7" name="Picture 6">
             <a:extLst>
               <a:ext uri="{FF2B5EF4-FFF2-40B4-BE49-F238E27FC236}">
-                <a16:creationId xmlns:a16="http://schemas.microsoft.com/office/drawing/2014/main" id="{4DDEA91A-45DA-0580-DD45-60C58BD34658}"/>
+                <a16:creationId xmlns:a16="http://schemas.microsoft.com/office/drawing/2014/main" id="{7EE415E3-9078-C28C-C03F-CDB0EAA8B453}"/>
               </a:ext>
             </a:extLst>
           </p:cNvPr>
@@ -4246,38 +4246,8 @@
         </p:blipFill>
         <p:spPr>
           <a:xfrm>
-            <a:off x="838200" y="2520395"/>
-            <a:ext cx="4772691" cy="3962953"/>
-          </a:xfrm>
-          <a:prstGeom prst="rect">
-            <a:avLst/>
-          </a:prstGeom>
-        </p:spPr>
-      </p:pic>
-      <p:pic>
-        <p:nvPicPr>
-          <p:cNvPr id="9" name="Picture 8">
-            <a:extLst>
-              <a:ext uri="{FF2B5EF4-FFF2-40B4-BE49-F238E27FC236}">
-                <a16:creationId xmlns:a16="http://schemas.microsoft.com/office/drawing/2014/main" id="{7F12AEC9-8FFA-5ACF-9832-F6D5574FC399}"/>
-              </a:ext>
-            </a:extLst>
-          </p:cNvPr>
-          <p:cNvPicPr>
-            <a:picLocks noChangeAspect="1"/>
-          </p:cNvPicPr>
-          <p:nvPr/>
-        </p:nvPicPr>
-        <p:blipFill>
-          <a:blip r:embed="rId4"/>
-          <a:stretch>
-            <a:fillRect/>
-          </a:stretch>
-        </p:blipFill>
-        <p:spPr>
-          <a:xfrm>
-            <a:off x="5975014" y="2529922"/>
-            <a:ext cx="6115904" cy="3943900"/>
+            <a:off x="4600366" y="2950597"/>
+            <a:ext cx="2991267" cy="1609950"/>
           </a:xfrm>
           <a:prstGeom prst="rect">
             <a:avLst/>
@@ -4287,7 +4257,7 @@
     </p:spTree>
     <p:extLst>
       <p:ext uri="{BB962C8B-B14F-4D97-AF65-F5344CB8AC3E}">
-        <p14:creationId xmlns:p14="http://schemas.microsoft.com/office/powerpoint/2010/main" val="2340284393"/>
+        <p14:creationId xmlns:p14="http://schemas.microsoft.com/office/powerpoint/2010/main" val="1352936911"/>
       </p:ext>
     </p:extLst>
   </p:cSld>
@@ -4319,7 +4289,7 @@
           <p:cNvPr id="2" name="Title 1">
             <a:extLst>
               <a:ext uri="{FF2B5EF4-FFF2-40B4-BE49-F238E27FC236}">
-                <a16:creationId xmlns:a16="http://schemas.microsoft.com/office/drawing/2014/main" id="{F2F9D1B3-3372-4D18-D58E-874EB4D0E6ED}"/>
+                <a16:creationId xmlns:a16="http://schemas.microsoft.com/office/drawing/2014/main" id="{D68C9036-F36C-5BDC-4230-7B0BD11C1855}"/>
               </a:ext>
             </a:extLst>
           </p:cNvPr>
@@ -4337,13 +4307,8 @@
           <a:p>
             <a:r>
               <a:rPr lang="en-NZ" dirty="0"/>
-              <a:t>20 </a:t>
-            </a:r>
-            <a:r>
-              <a:rPr lang="en-US" dirty="0"/>
-              <a:t>Abstract Classes and Abstract Class Members</a:t>
-            </a:r>
-            <a:endParaRPr lang="en-NZ" dirty="0"/>
+              <a:t>19 Override, 22 Base</a:t>
+            </a:r>
           </a:p>
         </p:txBody>
       </p:sp>
@@ -4352,7 +4317,7 @@
           <p:cNvPr id="5" name="Content Placeholder 4">
             <a:extLst>
               <a:ext uri="{FF2B5EF4-FFF2-40B4-BE49-F238E27FC236}">
-                <a16:creationId xmlns:a16="http://schemas.microsoft.com/office/drawing/2014/main" id="{24043FA2-F723-B949-41C1-B6B3A8180E85}"/>
+                <a16:creationId xmlns:a16="http://schemas.microsoft.com/office/drawing/2014/main" id="{A32A7574-3AAE-968B-8C51-0ED4C5FD7AC6}"/>
               </a:ext>
             </a:extLst>
           </p:cNvPr>
@@ -4371,8 +4336,8 @@
         </p:blipFill>
         <p:spPr>
           <a:xfrm>
-            <a:off x="1901863" y="1819738"/>
-            <a:ext cx="3801005" cy="990738"/>
+            <a:off x="2928495" y="1296194"/>
+            <a:ext cx="6335009" cy="1162212"/>
           </a:xfrm>
         </p:spPr>
       </p:pic>
@@ -4381,7 +4346,7 @@
           <p:cNvPr id="7" name="Picture 6">
             <a:extLst>
               <a:ext uri="{FF2B5EF4-FFF2-40B4-BE49-F238E27FC236}">
-                <a16:creationId xmlns:a16="http://schemas.microsoft.com/office/drawing/2014/main" id="{C3D32842-2AFE-5783-34F4-F1C079E2BB7D}"/>
+                <a16:creationId xmlns:a16="http://schemas.microsoft.com/office/drawing/2014/main" id="{4DDEA91A-45DA-0580-DD45-60C58BD34658}"/>
               </a:ext>
             </a:extLst>
           </p:cNvPr>
@@ -4398,8 +4363,38 @@
         </p:blipFill>
         <p:spPr>
           <a:xfrm>
-            <a:off x="6489134" y="1207828"/>
-            <a:ext cx="4587269" cy="5650172"/>
+            <a:off x="838200" y="2520395"/>
+            <a:ext cx="4772691" cy="3962953"/>
+          </a:xfrm>
+          <a:prstGeom prst="rect">
+            <a:avLst/>
+          </a:prstGeom>
+        </p:spPr>
+      </p:pic>
+      <p:pic>
+        <p:nvPicPr>
+          <p:cNvPr id="9" name="Picture 8">
+            <a:extLst>
+              <a:ext uri="{FF2B5EF4-FFF2-40B4-BE49-F238E27FC236}">
+                <a16:creationId xmlns:a16="http://schemas.microsoft.com/office/drawing/2014/main" id="{7F12AEC9-8FFA-5ACF-9832-F6D5574FC399}"/>
+              </a:ext>
+            </a:extLst>
+          </p:cNvPr>
+          <p:cNvPicPr>
+            <a:picLocks noChangeAspect="1"/>
+          </p:cNvPicPr>
+          <p:nvPr/>
+        </p:nvPicPr>
+        <p:blipFill>
+          <a:blip r:embed="rId4"/>
+          <a:stretch>
+            <a:fillRect/>
+          </a:stretch>
+        </p:blipFill>
+        <p:spPr>
+          <a:xfrm>
+            <a:off x="5975014" y="2529922"/>
+            <a:ext cx="6115904" cy="3943900"/>
           </a:xfrm>
           <a:prstGeom prst="rect">
             <a:avLst/>
@@ -4409,7 +4404,7 @@
     </p:spTree>
     <p:extLst>
       <p:ext uri="{BB962C8B-B14F-4D97-AF65-F5344CB8AC3E}">
-        <p14:creationId xmlns:p14="http://schemas.microsoft.com/office/powerpoint/2010/main" val="42948354"/>
+        <p14:creationId xmlns:p14="http://schemas.microsoft.com/office/powerpoint/2010/main" val="2340284393"/>
       </p:ext>
     </p:extLst>
   </p:cSld>
@@ -4441,7 +4436,7 @@
           <p:cNvPr id="2" name="Title 1">
             <a:extLst>
               <a:ext uri="{FF2B5EF4-FFF2-40B4-BE49-F238E27FC236}">
-                <a16:creationId xmlns:a16="http://schemas.microsoft.com/office/drawing/2014/main" id="{754BD24F-68CE-F68B-FF32-71B684D6DE4E}"/>
+                <a16:creationId xmlns:a16="http://schemas.microsoft.com/office/drawing/2014/main" id="{F2F9D1B3-3372-4D18-D58E-874EB4D0E6ED}"/>
               </a:ext>
             </a:extLst>
           </p:cNvPr>
@@ -4459,11 +4454,11 @@
           <a:p>
             <a:r>
               <a:rPr lang="en-NZ" dirty="0"/>
-              <a:t>21 New Modifier, 23 </a:t>
+              <a:t>20 </a:t>
             </a:r>
             <a:r>
               <a:rPr lang="en-US" dirty="0"/>
-              <a:t>Sealed Classes and Sealed Class Members</a:t>
+              <a:t>Abstract Classes and Abstract Class Members</a:t>
             </a:r>
             <a:endParaRPr lang="en-NZ" dirty="0"/>
           </a:p>
@@ -4474,7 +4469,7 @@
           <p:cNvPr id="5" name="Content Placeholder 4">
             <a:extLst>
               <a:ext uri="{FF2B5EF4-FFF2-40B4-BE49-F238E27FC236}">
-                <a16:creationId xmlns:a16="http://schemas.microsoft.com/office/drawing/2014/main" id="{88322502-9FEE-3438-0F47-16B36E5E9B5F}"/>
+                <a16:creationId xmlns:a16="http://schemas.microsoft.com/office/drawing/2014/main" id="{24043FA2-F723-B949-41C1-B6B3A8180E85}"/>
               </a:ext>
             </a:extLst>
           </p:cNvPr>
@@ -4493,8 +4488,8 @@
         </p:blipFill>
         <p:spPr>
           <a:xfrm>
-            <a:off x="3547707" y="1840286"/>
-            <a:ext cx="5096586" cy="1419423"/>
+            <a:off x="1901863" y="1819738"/>
+            <a:ext cx="3801005" cy="990738"/>
           </a:xfrm>
         </p:spPr>
       </p:pic>
@@ -4503,7 +4498,7 @@
           <p:cNvPr id="7" name="Picture 6">
             <a:extLst>
               <a:ext uri="{FF2B5EF4-FFF2-40B4-BE49-F238E27FC236}">
-                <a16:creationId xmlns:a16="http://schemas.microsoft.com/office/drawing/2014/main" id="{F1953837-B126-55D2-A21A-28F614E8E89E}"/>
+                <a16:creationId xmlns:a16="http://schemas.microsoft.com/office/drawing/2014/main" id="{C3D32842-2AFE-5783-34F4-F1C079E2BB7D}"/>
               </a:ext>
             </a:extLst>
           </p:cNvPr>
@@ -4520,8 +4515,8 @@
         </p:blipFill>
         <p:spPr>
           <a:xfrm>
-            <a:off x="4614656" y="3586295"/>
-            <a:ext cx="2962688" cy="1867161"/>
+            <a:off x="6489134" y="1207828"/>
+            <a:ext cx="4587269" cy="5650172"/>
           </a:xfrm>
           <a:prstGeom prst="rect">
             <a:avLst/>
@@ -4531,7 +4526,7 @@
     </p:spTree>
     <p:extLst>
       <p:ext uri="{BB962C8B-B14F-4D97-AF65-F5344CB8AC3E}">
-        <p14:creationId xmlns:p14="http://schemas.microsoft.com/office/powerpoint/2010/main" val="463756891"/>
+        <p14:creationId xmlns:p14="http://schemas.microsoft.com/office/powerpoint/2010/main" val="42948354"/>
       </p:ext>
     </p:extLst>
   </p:cSld>
@@ -4563,7 +4558,7 @@
           <p:cNvPr id="2" name="Title 1">
             <a:extLst>
               <a:ext uri="{FF2B5EF4-FFF2-40B4-BE49-F238E27FC236}">
-                <a16:creationId xmlns:a16="http://schemas.microsoft.com/office/drawing/2014/main" id="{08505A53-8439-38BB-ACEE-8D61210F490A}"/>
+                <a16:creationId xmlns:a16="http://schemas.microsoft.com/office/drawing/2014/main" id="{754BD24F-68CE-F68B-FF32-71B684D6DE4E}"/>
               </a:ext>
             </a:extLst>
           </p:cNvPr>
@@ -4581,8 +4576,13 @@
           <a:p>
             <a:r>
               <a:rPr lang="en-NZ" dirty="0"/>
-              <a:t>26 $ - string interpolation</a:t>
-            </a:r>
+              <a:t>21 New Modifier, 23 </a:t>
+            </a:r>
+            <a:r>
+              <a:rPr lang="en-US" dirty="0"/>
+              <a:t>Sealed Classes and Sealed Class Members</a:t>
+            </a:r>
+            <a:endParaRPr lang="en-NZ" dirty="0"/>
           </a:p>
         </p:txBody>
       </p:sp>
@@ -4591,7 +4591,7 @@
           <p:cNvPr id="5" name="Content Placeholder 4">
             <a:extLst>
               <a:ext uri="{FF2B5EF4-FFF2-40B4-BE49-F238E27FC236}">
-                <a16:creationId xmlns:a16="http://schemas.microsoft.com/office/drawing/2014/main" id="{166D7E89-103F-F454-B275-D8B5B02083FC}"/>
+                <a16:creationId xmlns:a16="http://schemas.microsoft.com/office/drawing/2014/main" id="{88322502-9FEE-3438-0F47-16B36E5E9B5F}"/>
               </a:ext>
             </a:extLst>
           </p:cNvPr>
@@ -4610,15 +4610,45 @@
         </p:blipFill>
         <p:spPr>
           <a:xfrm>
-            <a:off x="2814179" y="2132404"/>
-            <a:ext cx="6563641" cy="952633"/>
-          </a:xfrm>
+            <a:off x="3547707" y="1840286"/>
+            <a:ext cx="5096586" cy="1419423"/>
+          </a:xfrm>
+        </p:spPr>
+      </p:pic>
+      <p:pic>
+        <p:nvPicPr>
+          <p:cNvPr id="7" name="Picture 6">
+            <a:extLst>
+              <a:ext uri="{FF2B5EF4-FFF2-40B4-BE49-F238E27FC236}">
+                <a16:creationId xmlns:a16="http://schemas.microsoft.com/office/drawing/2014/main" id="{F1953837-B126-55D2-A21A-28F614E8E89E}"/>
+              </a:ext>
+            </a:extLst>
+          </p:cNvPr>
+          <p:cNvPicPr>
+            <a:picLocks noChangeAspect="1"/>
+          </p:cNvPicPr>
+          <p:nvPr/>
+        </p:nvPicPr>
+        <p:blipFill>
+          <a:blip r:embed="rId3"/>
+          <a:stretch>
+            <a:fillRect/>
+          </a:stretch>
+        </p:blipFill>
+        <p:spPr>
+          <a:xfrm>
+            <a:off x="4614656" y="3586295"/>
+            <a:ext cx="2962688" cy="1867161"/>
+          </a:xfrm>
+          <a:prstGeom prst="rect">
+            <a:avLst/>
+          </a:prstGeom>
         </p:spPr>
       </p:pic>
     </p:spTree>
     <p:extLst>
       <p:ext uri="{BB962C8B-B14F-4D97-AF65-F5344CB8AC3E}">
-        <p14:creationId xmlns:p14="http://schemas.microsoft.com/office/powerpoint/2010/main" val="812080952"/>
+        <p14:creationId xmlns:p14="http://schemas.microsoft.com/office/powerpoint/2010/main" val="463756891"/>
       </p:ext>
     </p:extLst>
   </p:cSld>
@@ -4650,7 +4680,7 @@
           <p:cNvPr id="2" name="Title 1">
             <a:extLst>
               <a:ext uri="{FF2B5EF4-FFF2-40B4-BE49-F238E27FC236}">
-                <a16:creationId xmlns:a16="http://schemas.microsoft.com/office/drawing/2014/main" id="{869D36E1-97A2-A751-FD08-C514D8D570E0}"/>
+                <a16:creationId xmlns:a16="http://schemas.microsoft.com/office/drawing/2014/main" id="{F7F65EF2-6C74-0D14-E48C-7B3C566F954A}"/>
               </a:ext>
             </a:extLst>
           </p:cNvPr>
@@ -4668,7 +4698,7 @@
           <a:p>
             <a:r>
               <a:rPr lang="en-NZ" dirty="0"/>
-              <a:t>1 Selection statements, 31 Named Arguments</a:t>
+              <a:t>All Outputs</a:t>
             </a:r>
           </a:p>
         </p:txBody>
@@ -4678,7 +4708,7 @@
           <p:cNvPr id="5" name="Content Placeholder 4">
             <a:extLst>
               <a:ext uri="{FF2B5EF4-FFF2-40B4-BE49-F238E27FC236}">
-                <a16:creationId xmlns:a16="http://schemas.microsoft.com/office/drawing/2014/main" id="{343F1122-E453-EADF-C637-A1B5824B713D}"/>
+                <a16:creationId xmlns:a16="http://schemas.microsoft.com/office/drawing/2014/main" id="{47AD74B1-D3D5-130B-7EDA-D24B206AE3B9}"/>
               </a:ext>
             </a:extLst>
           </p:cNvPr>
@@ -4697,17 +4727,17 @@
         </p:blipFill>
         <p:spPr>
           <a:xfrm>
-            <a:off x="3700128" y="3253477"/>
-            <a:ext cx="4791744" cy="1495634"/>
+            <a:off x="2255939" y="1507045"/>
+            <a:ext cx="2139892" cy="4683009"/>
           </a:xfrm>
         </p:spPr>
       </p:pic>
       <p:pic>
         <p:nvPicPr>
-          <p:cNvPr id="4" name="Picture 3">
-            <a:extLst>
-              <a:ext uri="{FF2B5EF4-FFF2-40B4-BE49-F238E27FC236}">
-                <a16:creationId xmlns:a16="http://schemas.microsoft.com/office/drawing/2014/main" id="{DF57620F-0D68-9316-9B93-7177ABBC86D6}"/>
+          <p:cNvPr id="9" name="Picture 8">
+            <a:extLst>
+              <a:ext uri="{FF2B5EF4-FFF2-40B4-BE49-F238E27FC236}">
+                <a16:creationId xmlns:a16="http://schemas.microsoft.com/office/drawing/2014/main" id="{0E1AE6FC-F596-03B4-CC2C-0B99E14A4197}"/>
               </a:ext>
             </a:extLst>
           </p:cNvPr>
@@ -4724,8 +4754,8 @@
         </p:blipFill>
         <p:spPr>
           <a:xfrm>
-            <a:off x="3509601" y="1828131"/>
-            <a:ext cx="5172797" cy="819264"/>
+            <a:off x="4703495" y="855778"/>
+            <a:ext cx="4832248" cy="5985545"/>
           </a:xfrm>
           <a:prstGeom prst="rect">
             <a:avLst/>
@@ -4735,7 +4765,7 @@
     </p:spTree>
     <p:extLst>
       <p:ext uri="{BB962C8B-B14F-4D97-AF65-F5344CB8AC3E}">
-        <p14:creationId xmlns:p14="http://schemas.microsoft.com/office/powerpoint/2010/main" val="166754594"/>
+        <p14:creationId xmlns:p14="http://schemas.microsoft.com/office/powerpoint/2010/main" val="286057674"/>
       </p:ext>
     </p:extLst>
   </p:cSld>
@@ -4767,7 +4797,7 @@
           <p:cNvPr id="2" name="Title 1">
             <a:extLst>
               <a:ext uri="{FF2B5EF4-FFF2-40B4-BE49-F238E27FC236}">
-                <a16:creationId xmlns:a16="http://schemas.microsoft.com/office/drawing/2014/main" id="{61013133-5848-DCF7-7B25-9C6BD76B6320}"/>
+                <a16:creationId xmlns:a16="http://schemas.microsoft.com/office/drawing/2014/main" id="{08505A53-8439-38BB-ACEE-8D61210F490A}"/>
               </a:ext>
             </a:extLst>
           </p:cNvPr>
@@ -4785,7 +4815,7 @@
           <a:p>
             <a:r>
               <a:rPr lang="en-NZ" dirty="0"/>
-              <a:t>27 Enumeration types</a:t>
+              <a:t>26 $ - string interpolation</a:t>
             </a:r>
           </a:p>
         </p:txBody>
@@ -4795,7 +4825,7 @@
           <p:cNvPr id="5" name="Content Placeholder 4">
             <a:extLst>
               <a:ext uri="{FF2B5EF4-FFF2-40B4-BE49-F238E27FC236}">
-                <a16:creationId xmlns:a16="http://schemas.microsoft.com/office/drawing/2014/main" id="{2FC7D481-A4FB-2CF4-0DE8-6E31E84210FA}"/>
+                <a16:creationId xmlns:a16="http://schemas.microsoft.com/office/drawing/2014/main" id="{166D7E89-103F-F454-B275-D8B5B02083FC}"/>
               </a:ext>
             </a:extLst>
           </p:cNvPr>
@@ -4814,45 +4844,15 @@
         </p:blipFill>
         <p:spPr>
           <a:xfrm>
-            <a:off x="838200" y="1690688"/>
-            <a:ext cx="7325747" cy="1457528"/>
-          </a:xfrm>
-        </p:spPr>
-      </p:pic>
-      <p:pic>
-        <p:nvPicPr>
-          <p:cNvPr id="7" name="Picture 6">
-            <a:extLst>
-              <a:ext uri="{FF2B5EF4-FFF2-40B4-BE49-F238E27FC236}">
-                <a16:creationId xmlns:a16="http://schemas.microsoft.com/office/drawing/2014/main" id="{BB166E81-0A53-EDD7-5870-0393DC9F2F1E}"/>
-              </a:ext>
-            </a:extLst>
-          </p:cNvPr>
-          <p:cNvPicPr>
-            <a:picLocks noChangeAspect="1"/>
-          </p:cNvPicPr>
-          <p:nvPr/>
-        </p:nvPicPr>
-        <p:blipFill>
-          <a:blip r:embed="rId3"/>
-          <a:stretch>
-            <a:fillRect/>
-          </a:stretch>
-        </p:blipFill>
-        <p:spPr>
-          <a:xfrm>
-            <a:off x="5117332" y="3429000"/>
-            <a:ext cx="1714739" cy="1276528"/>
-          </a:xfrm>
-          <a:prstGeom prst="rect">
-            <a:avLst/>
-          </a:prstGeom>
+            <a:off x="2814179" y="2132404"/>
+            <a:ext cx="6563641" cy="952633"/>
+          </a:xfrm>
         </p:spPr>
       </p:pic>
     </p:spTree>
     <p:extLst>
       <p:ext uri="{BB962C8B-B14F-4D97-AF65-F5344CB8AC3E}">
-        <p14:creationId xmlns:p14="http://schemas.microsoft.com/office/powerpoint/2010/main" val="1869722280"/>
+        <p14:creationId xmlns:p14="http://schemas.microsoft.com/office/powerpoint/2010/main" val="812080952"/>
       </p:ext>
     </p:extLst>
   </p:cSld>
@@ -4884,7 +4884,7 @@
           <p:cNvPr id="2" name="Title 1">
             <a:extLst>
               <a:ext uri="{FF2B5EF4-FFF2-40B4-BE49-F238E27FC236}">
-                <a16:creationId xmlns:a16="http://schemas.microsoft.com/office/drawing/2014/main" id="{F88DCE27-D242-75AB-99FC-C79FB98EBDD9}"/>
+                <a16:creationId xmlns:a16="http://schemas.microsoft.com/office/drawing/2014/main" id="{61013133-5848-DCF7-7B25-9C6BD76B6320}"/>
               </a:ext>
             </a:extLst>
           </p:cNvPr>
@@ -4902,7 +4902,7 @@
           <a:p>
             <a:r>
               <a:rPr lang="en-NZ" dirty="0"/>
-              <a:t>28 Exceptions and Exception Handling</a:t>
+              <a:t>27 Enumeration types</a:t>
             </a:r>
           </a:p>
         </p:txBody>
@@ -4912,7 +4912,7 @@
           <p:cNvPr id="5" name="Content Placeholder 4">
             <a:extLst>
               <a:ext uri="{FF2B5EF4-FFF2-40B4-BE49-F238E27FC236}">
-                <a16:creationId xmlns:a16="http://schemas.microsoft.com/office/drawing/2014/main" id="{1F8A9AA9-E0D5-07C1-DE4B-36BFDA8227BC}"/>
+                <a16:creationId xmlns:a16="http://schemas.microsoft.com/office/drawing/2014/main" id="{2FC7D481-A4FB-2CF4-0DE8-6E31E84210FA}"/>
               </a:ext>
             </a:extLst>
           </p:cNvPr>
@@ -4932,7 +4932,7 @@
         <p:spPr>
           <a:xfrm>
             <a:off x="838200" y="1690688"/>
-            <a:ext cx="4820323" cy="2295845"/>
+            <a:ext cx="7325747" cy="1457528"/>
           </a:xfrm>
         </p:spPr>
       </p:pic>
@@ -4941,7 +4941,7 @@
           <p:cNvPr id="7" name="Picture 6">
             <a:extLst>
               <a:ext uri="{FF2B5EF4-FFF2-40B4-BE49-F238E27FC236}">
-                <a16:creationId xmlns:a16="http://schemas.microsoft.com/office/drawing/2014/main" id="{911296A1-9CCD-E863-94A9-EBD1C135AD7C}"/>
+                <a16:creationId xmlns:a16="http://schemas.microsoft.com/office/drawing/2014/main" id="{BB166E81-0A53-EDD7-5870-0393DC9F2F1E}"/>
               </a:ext>
             </a:extLst>
           </p:cNvPr>
@@ -4958,8 +4958,8 @@
         </p:blipFill>
         <p:spPr>
           <a:xfrm>
-            <a:off x="5902020" y="1690688"/>
-            <a:ext cx="3896269" cy="1190791"/>
+            <a:off x="5117332" y="3429000"/>
+            <a:ext cx="1714739" cy="1276528"/>
           </a:xfrm>
           <a:prstGeom prst="rect">
             <a:avLst/>
@@ -4969,7 +4969,7 @@
     </p:spTree>
     <p:extLst>
       <p:ext uri="{BB962C8B-B14F-4D97-AF65-F5344CB8AC3E}">
-        <p14:creationId xmlns:p14="http://schemas.microsoft.com/office/powerpoint/2010/main" val="4285912647"/>
+        <p14:creationId xmlns:p14="http://schemas.microsoft.com/office/powerpoint/2010/main" val="1869722280"/>
       </p:ext>
     </p:extLst>
   </p:cSld>
@@ -5001,7 +5001,7 @@
           <p:cNvPr id="2" name="Title 1">
             <a:extLst>
               <a:ext uri="{FF2B5EF4-FFF2-40B4-BE49-F238E27FC236}">
-                <a16:creationId xmlns:a16="http://schemas.microsoft.com/office/drawing/2014/main" id="{01EE26CD-890B-7EFD-FCB9-0801F6EDE796}"/>
+                <a16:creationId xmlns:a16="http://schemas.microsoft.com/office/drawing/2014/main" id="{F88DCE27-D242-75AB-99FC-C79FB98EBDD9}"/>
               </a:ext>
             </a:extLst>
           </p:cNvPr>
@@ -5019,7 +5019,7 @@
           <a:p>
             <a:r>
               <a:rPr lang="en-NZ" dirty="0"/>
-              <a:t>29 Using statements</a:t>
+              <a:t>28 Exceptions and Exception Handling</a:t>
             </a:r>
           </a:p>
         </p:txBody>
@@ -5029,7 +5029,7 @@
           <p:cNvPr id="5" name="Content Placeholder 4">
             <a:extLst>
               <a:ext uri="{FF2B5EF4-FFF2-40B4-BE49-F238E27FC236}">
-                <a16:creationId xmlns:a16="http://schemas.microsoft.com/office/drawing/2014/main" id="{59C952F3-4750-DC5E-AE83-678E555C86C9}"/>
+                <a16:creationId xmlns:a16="http://schemas.microsoft.com/office/drawing/2014/main" id="{1F8A9AA9-E0D5-07C1-DE4B-36BFDA8227BC}"/>
               </a:ext>
             </a:extLst>
           </p:cNvPr>
@@ -5048,8 +5048,8 @@
         </p:blipFill>
         <p:spPr>
           <a:xfrm>
-            <a:off x="4033548" y="2292598"/>
-            <a:ext cx="4124901" cy="2695951"/>
+            <a:off x="838200" y="1690688"/>
+            <a:ext cx="4820323" cy="2295845"/>
           </a:xfrm>
         </p:spPr>
       </p:pic>
@@ -5058,7 +5058,7 @@
           <p:cNvPr id="7" name="Picture 6">
             <a:extLst>
               <a:ext uri="{FF2B5EF4-FFF2-40B4-BE49-F238E27FC236}">
-                <a16:creationId xmlns:a16="http://schemas.microsoft.com/office/drawing/2014/main" id="{968CEF2D-5F95-9179-65B2-5E1452D2BBB2}"/>
+                <a16:creationId xmlns:a16="http://schemas.microsoft.com/office/drawing/2014/main" id="{911296A1-9CCD-E863-94A9-EBD1C135AD7C}"/>
               </a:ext>
             </a:extLst>
           </p:cNvPr>
@@ -5075,8 +5075,8 @@
         </p:blipFill>
         <p:spPr>
           <a:xfrm>
-            <a:off x="5267209" y="1717089"/>
-            <a:ext cx="1657581" cy="362001"/>
+            <a:off x="5902020" y="1690688"/>
+            <a:ext cx="3896269" cy="1190791"/>
           </a:xfrm>
           <a:prstGeom prst="rect">
             <a:avLst/>
@@ -5086,7 +5086,7 @@
     </p:spTree>
     <p:extLst>
       <p:ext uri="{BB962C8B-B14F-4D97-AF65-F5344CB8AC3E}">
-        <p14:creationId xmlns:p14="http://schemas.microsoft.com/office/powerpoint/2010/main" val="4248433668"/>
+        <p14:creationId xmlns:p14="http://schemas.microsoft.com/office/powerpoint/2010/main" val="4285912647"/>
       </p:ext>
     </p:extLst>
   </p:cSld>
@@ -5118,7 +5118,7 @@
           <p:cNvPr id="2" name="Title 1">
             <a:extLst>
               <a:ext uri="{FF2B5EF4-FFF2-40B4-BE49-F238E27FC236}">
-                <a16:creationId xmlns:a16="http://schemas.microsoft.com/office/drawing/2014/main" id="{D1160E04-6BB5-4DAA-6074-E401528DFDE8}"/>
+                <a16:creationId xmlns:a16="http://schemas.microsoft.com/office/drawing/2014/main" id="{01EE26CD-890B-7EFD-FCB9-0801F6EDE796}"/>
               </a:ext>
             </a:extLst>
           </p:cNvPr>
@@ -5136,7 +5136,7 @@
           <a:p>
             <a:r>
               <a:rPr lang="en-NZ" dirty="0"/>
-              <a:t>30 Init accessors</a:t>
+              <a:t>29 Using statements</a:t>
             </a:r>
           </a:p>
         </p:txBody>
@@ -5146,7 +5146,7 @@
           <p:cNvPr id="5" name="Content Placeholder 4">
             <a:extLst>
               <a:ext uri="{FF2B5EF4-FFF2-40B4-BE49-F238E27FC236}">
-                <a16:creationId xmlns:a16="http://schemas.microsoft.com/office/drawing/2014/main" id="{73485142-8DF9-CA5A-9B4E-672B348E2C23}"/>
+                <a16:creationId xmlns:a16="http://schemas.microsoft.com/office/drawing/2014/main" id="{59C952F3-4750-DC5E-AE83-678E555C86C9}"/>
               </a:ext>
             </a:extLst>
           </p:cNvPr>
@@ -5165,8 +5165,8 @@
         </p:blipFill>
         <p:spPr>
           <a:xfrm>
-            <a:off x="3390521" y="3051927"/>
-            <a:ext cx="5410955" cy="1428949"/>
+            <a:off x="4033548" y="2292598"/>
+            <a:ext cx="4124901" cy="2695951"/>
           </a:xfrm>
         </p:spPr>
       </p:pic>
@@ -5175,7 +5175,7 @@
           <p:cNvPr id="7" name="Picture 6">
             <a:extLst>
               <a:ext uri="{FF2B5EF4-FFF2-40B4-BE49-F238E27FC236}">
-                <a16:creationId xmlns:a16="http://schemas.microsoft.com/office/drawing/2014/main" id="{A3E0B8F8-8A6D-AD6C-1917-3DAB39B4C733}"/>
+                <a16:creationId xmlns:a16="http://schemas.microsoft.com/office/drawing/2014/main" id="{968CEF2D-5F95-9179-65B2-5E1452D2BBB2}"/>
               </a:ext>
             </a:extLst>
           </p:cNvPr>
@@ -5192,8 +5192,8 @@
         </p:blipFill>
         <p:spPr>
           <a:xfrm>
-            <a:off x="4190732" y="1338730"/>
-            <a:ext cx="3810532" cy="1428949"/>
+            <a:off x="5267209" y="1717089"/>
+            <a:ext cx="1657581" cy="362001"/>
           </a:xfrm>
           <a:prstGeom prst="rect">
             <a:avLst/>
@@ -5203,7 +5203,7 @@
     </p:spTree>
     <p:extLst>
       <p:ext uri="{BB962C8B-B14F-4D97-AF65-F5344CB8AC3E}">
-        <p14:creationId xmlns:p14="http://schemas.microsoft.com/office/powerpoint/2010/main" val="642188758"/>
+        <p14:creationId xmlns:p14="http://schemas.microsoft.com/office/powerpoint/2010/main" val="4248433668"/>
       </p:ext>
     </p:extLst>
   </p:cSld>
@@ -5235,7 +5235,7 @@
           <p:cNvPr id="2" name="Title 1">
             <a:extLst>
               <a:ext uri="{FF2B5EF4-FFF2-40B4-BE49-F238E27FC236}">
-                <a16:creationId xmlns:a16="http://schemas.microsoft.com/office/drawing/2014/main" id="{42E47438-54A2-455D-0508-9501E7451810}"/>
+                <a16:creationId xmlns:a16="http://schemas.microsoft.com/office/drawing/2014/main" id="{D1160E04-6BB5-4DAA-6074-E401528DFDE8}"/>
               </a:ext>
             </a:extLst>
           </p:cNvPr>
@@ -5253,40 +5253,74 @@
           <a:p>
             <a:r>
               <a:rPr lang="en-NZ" dirty="0"/>
-              <a:t>32</a:t>
-            </a:r>
-          </a:p>
-        </p:txBody>
-      </p:sp>
-      <p:sp>
-        <p:nvSpPr>
-          <p:cNvPr id="3" name="Content Placeholder 2">
-            <a:extLst>
-              <a:ext uri="{FF2B5EF4-FFF2-40B4-BE49-F238E27FC236}">
-                <a16:creationId xmlns:a16="http://schemas.microsoft.com/office/drawing/2014/main" id="{352213BE-105F-907D-129C-5D6A2E208628}"/>
-              </a:ext>
-            </a:extLst>
-          </p:cNvPr>
-          <p:cNvSpPr>
-            <a:spLocks noGrp="1"/>
-          </p:cNvSpPr>
+              <a:t>30 Init accessors</a:t>
+            </a:r>
+          </a:p>
+        </p:txBody>
+      </p:sp>
+      <p:pic>
+        <p:nvPicPr>
+          <p:cNvPr id="5" name="Content Placeholder 4">
+            <a:extLst>
+              <a:ext uri="{FF2B5EF4-FFF2-40B4-BE49-F238E27FC236}">
+                <a16:creationId xmlns:a16="http://schemas.microsoft.com/office/drawing/2014/main" id="{73485142-8DF9-CA5A-9B4E-672B348E2C23}"/>
+              </a:ext>
+            </a:extLst>
+          </p:cNvPr>
+          <p:cNvPicPr>
+            <a:picLocks noGrp="1" noChangeAspect="1"/>
+          </p:cNvPicPr>
           <p:nvPr>
             <p:ph idx="1"/>
           </p:nvPr>
-        </p:nvSpPr>
-        <p:spPr/>
-        <p:txBody>
-          <a:bodyPr/>
-          <a:lstStyle/>
-          <a:p>
-            <a:endParaRPr lang="en-NZ"/>
-          </a:p>
-        </p:txBody>
-      </p:sp>
+        </p:nvPicPr>
+        <p:blipFill>
+          <a:blip r:embed="rId2"/>
+          <a:stretch>
+            <a:fillRect/>
+          </a:stretch>
+        </p:blipFill>
+        <p:spPr>
+          <a:xfrm>
+            <a:off x="3390521" y="3051927"/>
+            <a:ext cx="5410955" cy="1428949"/>
+          </a:xfrm>
+        </p:spPr>
+      </p:pic>
+      <p:pic>
+        <p:nvPicPr>
+          <p:cNvPr id="7" name="Picture 6">
+            <a:extLst>
+              <a:ext uri="{FF2B5EF4-FFF2-40B4-BE49-F238E27FC236}">
+                <a16:creationId xmlns:a16="http://schemas.microsoft.com/office/drawing/2014/main" id="{A3E0B8F8-8A6D-AD6C-1917-3DAB39B4C733}"/>
+              </a:ext>
+            </a:extLst>
+          </p:cNvPr>
+          <p:cNvPicPr>
+            <a:picLocks noChangeAspect="1"/>
+          </p:cNvPicPr>
+          <p:nvPr/>
+        </p:nvPicPr>
+        <p:blipFill>
+          <a:blip r:embed="rId3"/>
+          <a:stretch>
+            <a:fillRect/>
+          </a:stretch>
+        </p:blipFill>
+        <p:spPr>
+          <a:xfrm>
+            <a:off x="4190732" y="1338730"/>
+            <a:ext cx="3810532" cy="1428949"/>
+          </a:xfrm>
+          <a:prstGeom prst="rect">
+            <a:avLst/>
+          </a:prstGeom>
+        </p:spPr>
+      </p:pic>
     </p:spTree>
     <p:extLst>
       <p:ext uri="{BB962C8B-B14F-4D97-AF65-F5344CB8AC3E}">
-        <p14:creationId xmlns:p14="http://schemas.microsoft.com/office/powerpoint/2010/main" val="3599876904"/>
+        <p14:creationId xmlns:p14="http://schemas.microsoft.com/office/powerpoint/2010/main" val="642188758"/>
       </p:ext>
     </p:extLst>
   </p:cSld>
@@ -5318,7 +5352,7 @@
           <p:cNvPr id="2" name="Title 1">
             <a:extLst>
               <a:ext uri="{FF2B5EF4-FFF2-40B4-BE49-F238E27FC236}">
-                <a16:creationId xmlns:a16="http://schemas.microsoft.com/office/drawing/2014/main" id="{4770FCE5-5325-2953-7492-C9168BFC4685}"/>
+                <a16:creationId xmlns:a16="http://schemas.microsoft.com/office/drawing/2014/main" id="{42E47438-54A2-455D-0508-9501E7451810}"/>
               </a:ext>
             </a:extLst>
           </p:cNvPr>
@@ -5336,7 +5370,7 @@
           <a:p>
             <a:r>
               <a:rPr lang="en-NZ" dirty="0"/>
-              <a:t>33 Object and Collection Initializers</a:t>
+              <a:t>32 When</a:t>
             </a:r>
           </a:p>
         </p:txBody>
@@ -5346,7 +5380,7 @@
           <p:cNvPr id="5" name="Content Placeholder 4">
             <a:extLst>
               <a:ext uri="{FF2B5EF4-FFF2-40B4-BE49-F238E27FC236}">
-                <a16:creationId xmlns:a16="http://schemas.microsoft.com/office/drawing/2014/main" id="{93FC7108-16CB-0ED1-6233-DA964526504A}"/>
+                <a16:creationId xmlns:a16="http://schemas.microsoft.com/office/drawing/2014/main" id="{98655C79-E553-8969-7C48-57E6B7E1A646}"/>
               </a:ext>
             </a:extLst>
           </p:cNvPr>
@@ -5365,17 +5399,17 @@
         </p:blipFill>
         <p:spPr>
           <a:xfrm>
-            <a:off x="2540832" y="3429000"/>
-            <a:ext cx="7278116" cy="790685"/>
+            <a:off x="4505103" y="1920688"/>
+            <a:ext cx="3181794" cy="704948"/>
           </a:xfrm>
         </p:spPr>
       </p:pic>
       <p:pic>
         <p:nvPicPr>
-          <p:cNvPr id="6" name="Picture 5">
-            <a:extLst>
-              <a:ext uri="{FF2B5EF4-FFF2-40B4-BE49-F238E27FC236}">
-                <a16:creationId xmlns:a16="http://schemas.microsoft.com/office/drawing/2014/main" id="{B6782C35-61C7-CE11-783D-EB38CD7CC79F}"/>
+          <p:cNvPr id="7" name="Picture 6">
+            <a:extLst>
+              <a:ext uri="{FF2B5EF4-FFF2-40B4-BE49-F238E27FC236}">
+                <a16:creationId xmlns:a16="http://schemas.microsoft.com/office/drawing/2014/main" id="{0A60499F-DEAB-2B37-0F79-40A866274E4E}"/>
               </a:ext>
             </a:extLst>
           </p:cNvPr>
@@ -5392,8 +5426,8 @@
         </p:blipFill>
         <p:spPr>
           <a:xfrm>
-            <a:off x="4190734" y="1809714"/>
-            <a:ext cx="3810532" cy="1428949"/>
+            <a:off x="3088596" y="2708361"/>
+            <a:ext cx="6182588" cy="3991532"/>
           </a:xfrm>
           <a:prstGeom prst="rect">
             <a:avLst/>
@@ -5403,7 +5437,7 @@
     </p:spTree>
     <p:extLst>
       <p:ext uri="{BB962C8B-B14F-4D97-AF65-F5344CB8AC3E}">
-        <p14:creationId xmlns:p14="http://schemas.microsoft.com/office/powerpoint/2010/main" val="2331307112"/>
+        <p14:creationId xmlns:p14="http://schemas.microsoft.com/office/powerpoint/2010/main" val="3599876904"/>
       </p:ext>
     </p:extLst>
   </p:cSld>
@@ -5435,7 +5469,7 @@
           <p:cNvPr id="2" name="Title 1">
             <a:extLst>
               <a:ext uri="{FF2B5EF4-FFF2-40B4-BE49-F238E27FC236}">
-                <a16:creationId xmlns:a16="http://schemas.microsoft.com/office/drawing/2014/main" id="{277EE664-5462-F391-93FC-F6C37A0BD334}"/>
+                <a16:creationId xmlns:a16="http://schemas.microsoft.com/office/drawing/2014/main" id="{4770FCE5-5325-2953-7492-C9168BFC4685}"/>
               </a:ext>
             </a:extLst>
           </p:cNvPr>
@@ -5453,7 +5487,7 @@
           <a:p>
             <a:r>
               <a:rPr lang="en-NZ" dirty="0"/>
-              <a:t>34 Reflection</a:t>
+              <a:t>33 Object and Collection Initializers</a:t>
             </a:r>
           </a:p>
         </p:txBody>
@@ -5463,7 +5497,7 @@
           <p:cNvPr id="5" name="Content Placeholder 4">
             <a:extLst>
               <a:ext uri="{FF2B5EF4-FFF2-40B4-BE49-F238E27FC236}">
-                <a16:creationId xmlns:a16="http://schemas.microsoft.com/office/drawing/2014/main" id="{A897AA10-22E8-EDE4-82FF-42A1A620A053}"/>
+                <a16:creationId xmlns:a16="http://schemas.microsoft.com/office/drawing/2014/main" id="{93FC7108-16CB-0ED1-6233-DA964526504A}"/>
               </a:ext>
             </a:extLst>
           </p:cNvPr>
@@ -5482,15 +5516,45 @@
         </p:blipFill>
         <p:spPr>
           <a:xfrm>
-            <a:off x="5143367" y="1862606"/>
-            <a:ext cx="1905266" cy="905001"/>
-          </a:xfrm>
+            <a:off x="2540832" y="3429000"/>
+            <a:ext cx="7278116" cy="790685"/>
+          </a:xfrm>
+        </p:spPr>
+      </p:pic>
+      <p:pic>
+        <p:nvPicPr>
+          <p:cNvPr id="6" name="Picture 5">
+            <a:extLst>
+              <a:ext uri="{FF2B5EF4-FFF2-40B4-BE49-F238E27FC236}">
+                <a16:creationId xmlns:a16="http://schemas.microsoft.com/office/drawing/2014/main" id="{B6782C35-61C7-CE11-783D-EB38CD7CC79F}"/>
+              </a:ext>
+            </a:extLst>
+          </p:cNvPr>
+          <p:cNvPicPr>
+            <a:picLocks noChangeAspect="1"/>
+          </p:cNvPicPr>
+          <p:nvPr/>
+        </p:nvPicPr>
+        <p:blipFill>
+          <a:blip r:embed="rId3"/>
+          <a:stretch>
+            <a:fillRect/>
+          </a:stretch>
+        </p:blipFill>
+        <p:spPr>
+          <a:xfrm>
+            <a:off x="4190734" y="1809714"/>
+            <a:ext cx="3810532" cy="1428949"/>
+          </a:xfrm>
+          <a:prstGeom prst="rect">
+            <a:avLst/>
+          </a:prstGeom>
         </p:spPr>
       </p:pic>
     </p:spTree>
     <p:extLst>
       <p:ext uri="{BB962C8B-B14F-4D97-AF65-F5344CB8AC3E}">
-        <p14:creationId xmlns:p14="http://schemas.microsoft.com/office/powerpoint/2010/main" val="2695994016"/>
+        <p14:creationId xmlns:p14="http://schemas.microsoft.com/office/powerpoint/2010/main" val="2331307112"/>
       </p:ext>
     </p:extLst>
   </p:cSld>
@@ -5522,7 +5586,7 @@
           <p:cNvPr id="2" name="Title 1">
             <a:extLst>
               <a:ext uri="{FF2B5EF4-FFF2-40B4-BE49-F238E27FC236}">
-                <a16:creationId xmlns:a16="http://schemas.microsoft.com/office/drawing/2014/main" id="{C1FD7359-502D-723C-A67D-73AA31A6E1A5}"/>
+                <a16:creationId xmlns:a16="http://schemas.microsoft.com/office/drawing/2014/main" id="{277EE664-5462-F391-93FC-F6C37A0BD334}"/>
               </a:ext>
             </a:extLst>
           </p:cNvPr>
@@ -5540,7 +5604,7 @@
           <a:p>
             <a:r>
               <a:rPr lang="en-NZ" dirty="0"/>
-              <a:t>35 Delegates</a:t>
+              <a:t>34 Reflection</a:t>
             </a:r>
           </a:p>
         </p:txBody>
@@ -5550,7 +5614,7 @@
           <p:cNvPr id="5" name="Content Placeholder 4">
             <a:extLst>
               <a:ext uri="{FF2B5EF4-FFF2-40B4-BE49-F238E27FC236}">
-                <a16:creationId xmlns:a16="http://schemas.microsoft.com/office/drawing/2014/main" id="{6F5EC581-93EA-DCFB-CDAD-0E45116E9C7B}"/>
+                <a16:creationId xmlns:a16="http://schemas.microsoft.com/office/drawing/2014/main" id="{A897AA10-22E8-EDE4-82FF-42A1A620A053}"/>
               </a:ext>
             </a:extLst>
           </p:cNvPr>
@@ -5569,45 +5633,15 @@
         </p:blipFill>
         <p:spPr>
           <a:xfrm>
-            <a:off x="4717948" y="1690688"/>
-            <a:ext cx="2286319" cy="1076475"/>
-          </a:xfrm>
-        </p:spPr>
-      </p:pic>
-      <p:pic>
-        <p:nvPicPr>
-          <p:cNvPr id="7" name="Picture 6">
-            <a:extLst>
-              <a:ext uri="{FF2B5EF4-FFF2-40B4-BE49-F238E27FC236}">
-                <a16:creationId xmlns:a16="http://schemas.microsoft.com/office/drawing/2014/main" id="{B73574DD-94EA-D1AD-B0F5-B2CA1380DCC1}"/>
-              </a:ext>
-            </a:extLst>
-          </p:cNvPr>
-          <p:cNvPicPr>
-            <a:picLocks noChangeAspect="1"/>
-          </p:cNvPicPr>
-          <p:nvPr/>
-        </p:nvPicPr>
-        <p:blipFill>
-          <a:blip r:embed="rId3"/>
-          <a:stretch>
-            <a:fillRect/>
-          </a:stretch>
-        </p:blipFill>
-        <p:spPr>
-          <a:xfrm>
-            <a:off x="3884395" y="2927020"/>
-            <a:ext cx="3953427" cy="1171739"/>
-          </a:xfrm>
-          <a:prstGeom prst="rect">
-            <a:avLst/>
-          </a:prstGeom>
+            <a:off x="5143367" y="1862606"/>
+            <a:ext cx="1905266" cy="905001"/>
+          </a:xfrm>
         </p:spPr>
       </p:pic>
     </p:spTree>
     <p:extLst>
       <p:ext uri="{BB962C8B-B14F-4D97-AF65-F5344CB8AC3E}">
-        <p14:creationId xmlns:p14="http://schemas.microsoft.com/office/powerpoint/2010/main" val="1201134665"/>
+        <p14:creationId xmlns:p14="http://schemas.microsoft.com/office/powerpoint/2010/main" val="2695994016"/>
       </p:ext>
     </p:extLst>
   </p:cSld>
@@ -5639,7 +5673,7 @@
           <p:cNvPr id="2" name="Title 1">
             <a:extLst>
               <a:ext uri="{FF2B5EF4-FFF2-40B4-BE49-F238E27FC236}">
-                <a16:creationId xmlns:a16="http://schemas.microsoft.com/office/drawing/2014/main" id="{41CBF2EE-209C-2DD7-CB98-AF3135481D6F}"/>
+                <a16:creationId xmlns:a16="http://schemas.microsoft.com/office/drawing/2014/main" id="{C1FD7359-502D-723C-A67D-73AA31A6E1A5}"/>
               </a:ext>
             </a:extLst>
           </p:cNvPr>
@@ -5657,40 +5691,74 @@
           <a:p>
             <a:r>
               <a:rPr lang="en-NZ" dirty="0"/>
-              <a:t>36 Events</a:t>
-            </a:r>
-          </a:p>
-        </p:txBody>
-      </p:sp>
-      <p:sp>
-        <p:nvSpPr>
-          <p:cNvPr id="3" name="Content Placeholder 2">
-            <a:extLst>
-              <a:ext uri="{FF2B5EF4-FFF2-40B4-BE49-F238E27FC236}">
-                <a16:creationId xmlns:a16="http://schemas.microsoft.com/office/drawing/2014/main" id="{F8942821-C5A3-56D4-B498-9B30B3656E47}"/>
-              </a:ext>
-            </a:extLst>
-          </p:cNvPr>
-          <p:cNvSpPr>
-            <a:spLocks noGrp="1"/>
-          </p:cNvSpPr>
+              <a:t>35 Delegates</a:t>
+            </a:r>
+          </a:p>
+        </p:txBody>
+      </p:sp>
+      <p:pic>
+        <p:nvPicPr>
+          <p:cNvPr id="5" name="Content Placeholder 4">
+            <a:extLst>
+              <a:ext uri="{FF2B5EF4-FFF2-40B4-BE49-F238E27FC236}">
+                <a16:creationId xmlns:a16="http://schemas.microsoft.com/office/drawing/2014/main" id="{6F5EC581-93EA-DCFB-CDAD-0E45116E9C7B}"/>
+              </a:ext>
+            </a:extLst>
+          </p:cNvPr>
+          <p:cNvPicPr>
+            <a:picLocks noGrp="1" noChangeAspect="1"/>
+          </p:cNvPicPr>
           <p:nvPr>
             <p:ph idx="1"/>
           </p:nvPr>
-        </p:nvSpPr>
-        <p:spPr/>
-        <p:txBody>
-          <a:bodyPr/>
-          <a:lstStyle/>
-          <a:p>
-            <a:endParaRPr lang="en-NZ" dirty="0"/>
-          </a:p>
-        </p:txBody>
-      </p:sp>
+        </p:nvPicPr>
+        <p:blipFill>
+          <a:blip r:embed="rId2"/>
+          <a:stretch>
+            <a:fillRect/>
+          </a:stretch>
+        </p:blipFill>
+        <p:spPr>
+          <a:xfrm>
+            <a:off x="4717948" y="1690688"/>
+            <a:ext cx="2286319" cy="1076475"/>
+          </a:xfrm>
+        </p:spPr>
+      </p:pic>
+      <p:pic>
+        <p:nvPicPr>
+          <p:cNvPr id="7" name="Picture 6">
+            <a:extLst>
+              <a:ext uri="{FF2B5EF4-FFF2-40B4-BE49-F238E27FC236}">
+                <a16:creationId xmlns:a16="http://schemas.microsoft.com/office/drawing/2014/main" id="{B73574DD-94EA-D1AD-B0F5-B2CA1380DCC1}"/>
+              </a:ext>
+            </a:extLst>
+          </p:cNvPr>
+          <p:cNvPicPr>
+            <a:picLocks noChangeAspect="1"/>
+          </p:cNvPicPr>
+          <p:nvPr/>
+        </p:nvPicPr>
+        <p:blipFill>
+          <a:blip r:embed="rId3"/>
+          <a:stretch>
+            <a:fillRect/>
+          </a:stretch>
+        </p:blipFill>
+        <p:spPr>
+          <a:xfrm>
+            <a:off x="3884395" y="2927020"/>
+            <a:ext cx="3953427" cy="1171739"/>
+          </a:xfrm>
+          <a:prstGeom prst="rect">
+            <a:avLst/>
+          </a:prstGeom>
+        </p:spPr>
+      </p:pic>
     </p:spTree>
     <p:extLst>
       <p:ext uri="{BB962C8B-B14F-4D97-AF65-F5344CB8AC3E}">
-        <p14:creationId xmlns:p14="http://schemas.microsoft.com/office/powerpoint/2010/main" val="2806994201"/>
+        <p14:creationId xmlns:p14="http://schemas.microsoft.com/office/powerpoint/2010/main" val="1201134665"/>
       </p:ext>
     </p:extLst>
   </p:cSld>
@@ -5722,7 +5790,7 @@
           <p:cNvPr id="2" name="Title 1">
             <a:extLst>
               <a:ext uri="{FF2B5EF4-FFF2-40B4-BE49-F238E27FC236}">
-                <a16:creationId xmlns:a16="http://schemas.microsoft.com/office/drawing/2014/main" id="{96A7A724-958D-15EC-C8EE-15605C87F843}"/>
+                <a16:creationId xmlns:a16="http://schemas.microsoft.com/office/drawing/2014/main" id="{41CBF2EE-209C-2DD7-CB98-AF3135481D6F}"/>
               </a:ext>
             </a:extLst>
           </p:cNvPr>
@@ -5740,7 +5808,7 @@
           <a:p>
             <a:r>
               <a:rPr lang="en-NZ" dirty="0"/>
-              <a:t>37 Indexers</a:t>
+              <a:t>36 Events</a:t>
             </a:r>
           </a:p>
         </p:txBody>
@@ -5750,7 +5818,7 @@
           <p:cNvPr id="5" name="Content Placeholder 4">
             <a:extLst>
               <a:ext uri="{FF2B5EF4-FFF2-40B4-BE49-F238E27FC236}">
-                <a16:creationId xmlns:a16="http://schemas.microsoft.com/office/drawing/2014/main" id="{FF9894AC-E615-A291-31F8-AAF246E24962}"/>
+                <a16:creationId xmlns:a16="http://schemas.microsoft.com/office/drawing/2014/main" id="{C3C949C5-1509-C3AD-12FA-528ECE4C63B4}"/>
               </a:ext>
             </a:extLst>
           </p:cNvPr>
@@ -5769,15 +5837,45 @@
         </p:blipFill>
         <p:spPr>
           <a:xfrm>
-            <a:off x="3666786" y="1788242"/>
-            <a:ext cx="4858428" cy="885949"/>
-          </a:xfrm>
+            <a:off x="3943049" y="1571366"/>
+            <a:ext cx="4305901" cy="1857634"/>
+          </a:xfrm>
+        </p:spPr>
+      </p:pic>
+      <p:pic>
+        <p:nvPicPr>
+          <p:cNvPr id="7" name="Picture 6">
+            <a:extLst>
+              <a:ext uri="{FF2B5EF4-FFF2-40B4-BE49-F238E27FC236}">
+                <a16:creationId xmlns:a16="http://schemas.microsoft.com/office/drawing/2014/main" id="{AADB49BA-5C5A-8E96-F35F-C207CAA4EA04}"/>
+              </a:ext>
+            </a:extLst>
+          </p:cNvPr>
+          <p:cNvPicPr>
+            <a:picLocks noChangeAspect="1"/>
+          </p:cNvPicPr>
+          <p:nvPr/>
+        </p:nvPicPr>
+        <p:blipFill>
+          <a:blip r:embed="rId3"/>
+          <a:stretch>
+            <a:fillRect/>
+          </a:stretch>
+        </p:blipFill>
+        <p:spPr>
+          <a:xfrm>
+            <a:off x="3754663" y="3578989"/>
+            <a:ext cx="4682671" cy="3209382"/>
+          </a:xfrm>
+          <a:prstGeom prst="rect">
+            <a:avLst/>
+          </a:prstGeom>
         </p:spPr>
       </p:pic>
     </p:spTree>
     <p:extLst>
       <p:ext uri="{BB962C8B-B14F-4D97-AF65-F5344CB8AC3E}">
-        <p14:creationId xmlns:p14="http://schemas.microsoft.com/office/powerpoint/2010/main" val="280185261"/>
+        <p14:creationId xmlns:p14="http://schemas.microsoft.com/office/powerpoint/2010/main" val="2806994201"/>
       </p:ext>
     </p:extLst>
   </p:cSld>
@@ -5809,7 +5907,7 @@
           <p:cNvPr id="2" name="Title 1">
             <a:extLst>
               <a:ext uri="{FF2B5EF4-FFF2-40B4-BE49-F238E27FC236}">
-                <a16:creationId xmlns:a16="http://schemas.microsoft.com/office/drawing/2014/main" id="{B16435C7-265D-4E70-599C-CF52ED94CFCB}"/>
+                <a16:creationId xmlns:a16="http://schemas.microsoft.com/office/drawing/2014/main" id="{869D36E1-97A2-A751-FD08-C514D8D570E0}"/>
               </a:ext>
             </a:extLst>
           </p:cNvPr>
@@ -5827,7 +5925,7 @@
           <a:p>
             <a:r>
               <a:rPr lang="en-NZ" dirty="0"/>
-              <a:t>2 Iteration Statement</a:t>
+              <a:t>1 Selection statements, 31 Named Arguments</a:t>
             </a:r>
           </a:p>
         </p:txBody>
@@ -5837,7 +5935,7 @@
           <p:cNvPr id="5" name="Content Placeholder 4">
             <a:extLst>
               <a:ext uri="{FF2B5EF4-FFF2-40B4-BE49-F238E27FC236}">
-                <a16:creationId xmlns:a16="http://schemas.microsoft.com/office/drawing/2014/main" id="{58BF6A51-826C-F0DF-E708-8051228A1D9E}"/>
+                <a16:creationId xmlns:a16="http://schemas.microsoft.com/office/drawing/2014/main" id="{343F1122-E453-EADF-C637-A1B5824B713D}"/>
               </a:ext>
             </a:extLst>
           </p:cNvPr>
@@ -5856,8 +5954,8 @@
         </p:blipFill>
         <p:spPr>
           <a:xfrm>
-            <a:off x="3704891" y="3229661"/>
-            <a:ext cx="4782217" cy="1543265"/>
+            <a:off x="3700128" y="3253477"/>
+            <a:ext cx="4791744" cy="1495634"/>
           </a:xfrm>
         </p:spPr>
       </p:pic>
@@ -5866,7 +5964,7 @@
           <p:cNvPr id="4" name="Picture 3">
             <a:extLst>
               <a:ext uri="{FF2B5EF4-FFF2-40B4-BE49-F238E27FC236}">
-                <a16:creationId xmlns:a16="http://schemas.microsoft.com/office/drawing/2014/main" id="{812F5418-0A86-C6FC-0D04-0C53CB351068}"/>
+                <a16:creationId xmlns:a16="http://schemas.microsoft.com/office/drawing/2014/main" id="{DF57620F-0D68-9316-9B93-7177ABBC86D6}"/>
               </a:ext>
             </a:extLst>
           </p:cNvPr>
@@ -5883,8 +5981,8 @@
         </p:blipFill>
         <p:spPr>
           <a:xfrm>
-            <a:off x="4165139" y="1892969"/>
-            <a:ext cx="3677163" cy="857370"/>
+            <a:off x="3509601" y="1828131"/>
+            <a:ext cx="5172797" cy="819264"/>
           </a:xfrm>
           <a:prstGeom prst="rect">
             <a:avLst/>
@@ -5894,7 +5992,94 @@
     </p:spTree>
     <p:extLst>
       <p:ext uri="{BB962C8B-B14F-4D97-AF65-F5344CB8AC3E}">
-        <p14:creationId xmlns:p14="http://schemas.microsoft.com/office/powerpoint/2010/main" val="1557757514"/>
+        <p14:creationId xmlns:p14="http://schemas.microsoft.com/office/powerpoint/2010/main" val="166754594"/>
+      </p:ext>
+    </p:extLst>
+  </p:cSld>
+  <p:clrMapOvr>
+    <a:masterClrMapping/>
+  </p:clrMapOvr>
+</p:sld>
+</file>
+
+<file path=ppt/slides/slide30.xml><?xml version="1.0" encoding="utf-8"?>
+<p:sld xmlns:a="http://schemas.openxmlformats.org/drawingml/2006/main" xmlns:r="http://schemas.openxmlformats.org/officeDocument/2006/relationships" xmlns:p="http://schemas.openxmlformats.org/presentationml/2006/main">
+  <p:cSld>
+    <p:spTree>
+      <p:nvGrpSpPr>
+        <p:cNvPr id="1" name=""/>
+        <p:cNvGrpSpPr/>
+        <p:nvPr/>
+      </p:nvGrpSpPr>
+      <p:grpSpPr>
+        <a:xfrm>
+          <a:off x="0" y="0"/>
+          <a:ext cx="0" cy="0"/>
+          <a:chOff x="0" y="0"/>
+          <a:chExt cx="0" cy="0"/>
+        </a:xfrm>
+      </p:grpSpPr>
+      <p:sp>
+        <p:nvSpPr>
+          <p:cNvPr id="2" name="Title 1">
+            <a:extLst>
+              <a:ext uri="{FF2B5EF4-FFF2-40B4-BE49-F238E27FC236}">
+                <a16:creationId xmlns:a16="http://schemas.microsoft.com/office/drawing/2014/main" id="{96A7A724-958D-15EC-C8EE-15605C87F843}"/>
+              </a:ext>
+            </a:extLst>
+          </p:cNvPr>
+          <p:cNvSpPr>
+            <a:spLocks noGrp="1"/>
+          </p:cNvSpPr>
+          <p:nvPr>
+            <p:ph type="title"/>
+          </p:nvPr>
+        </p:nvSpPr>
+        <p:spPr/>
+        <p:txBody>
+          <a:bodyPr/>
+          <a:lstStyle/>
+          <a:p>
+            <a:r>
+              <a:rPr lang="en-NZ" dirty="0"/>
+              <a:t>37 Indexers</a:t>
+            </a:r>
+          </a:p>
+        </p:txBody>
+      </p:sp>
+      <p:pic>
+        <p:nvPicPr>
+          <p:cNvPr id="5" name="Content Placeholder 4">
+            <a:extLst>
+              <a:ext uri="{FF2B5EF4-FFF2-40B4-BE49-F238E27FC236}">
+                <a16:creationId xmlns:a16="http://schemas.microsoft.com/office/drawing/2014/main" id="{FF9894AC-E615-A291-31F8-AAF246E24962}"/>
+              </a:ext>
+            </a:extLst>
+          </p:cNvPr>
+          <p:cNvPicPr>
+            <a:picLocks noGrp="1" noChangeAspect="1"/>
+          </p:cNvPicPr>
+          <p:nvPr>
+            <p:ph idx="1"/>
+          </p:nvPr>
+        </p:nvPicPr>
+        <p:blipFill>
+          <a:blip r:embed="rId2"/>
+          <a:stretch>
+            <a:fillRect/>
+          </a:stretch>
+        </p:blipFill>
+        <p:spPr>
+          <a:xfrm>
+            <a:off x="3666786" y="1788242"/>
+            <a:ext cx="4858428" cy="885949"/>
+          </a:xfrm>
+        </p:spPr>
+      </p:pic>
+    </p:spTree>
+    <p:extLst>
+      <p:ext uri="{BB962C8B-B14F-4D97-AF65-F5344CB8AC3E}">
+        <p14:creationId xmlns:p14="http://schemas.microsoft.com/office/powerpoint/2010/main" val="280185261"/>
       </p:ext>
     </p:extLst>
   </p:cSld>
@@ -5926,7 +6111,7 @@
           <p:cNvPr id="2" name="Title 1">
             <a:extLst>
               <a:ext uri="{FF2B5EF4-FFF2-40B4-BE49-F238E27FC236}">
-                <a16:creationId xmlns:a16="http://schemas.microsoft.com/office/drawing/2014/main" id="{407ED185-2F5C-25F6-C3CC-3ECB77AC4051}"/>
+                <a16:creationId xmlns:a16="http://schemas.microsoft.com/office/drawing/2014/main" id="{B16435C7-265D-4E70-599C-CF52ED94CFCB}"/>
               </a:ext>
             </a:extLst>
           </p:cNvPr>
@@ -5944,7 +6129,7 @@
           <a:p>
             <a:r>
               <a:rPr lang="en-NZ" dirty="0"/>
-              <a:t>3 Constants</a:t>
+              <a:t>2 Iteration Statement</a:t>
             </a:r>
           </a:p>
         </p:txBody>
@@ -5954,7 +6139,7 @@
           <p:cNvPr id="5" name="Content Placeholder 4">
             <a:extLst>
               <a:ext uri="{FF2B5EF4-FFF2-40B4-BE49-F238E27FC236}">
-                <a16:creationId xmlns:a16="http://schemas.microsoft.com/office/drawing/2014/main" id="{1CADAAE2-4A8F-733E-B2E2-94DC96E9C64A}"/>
+                <a16:creationId xmlns:a16="http://schemas.microsoft.com/office/drawing/2014/main" id="{58BF6A51-826C-F0DF-E708-8051228A1D9E}"/>
               </a:ext>
             </a:extLst>
           </p:cNvPr>
@@ -5973,17 +6158,17 @@
         </p:blipFill>
         <p:spPr>
           <a:xfrm>
-            <a:off x="2726099" y="2644753"/>
-            <a:ext cx="7125694" cy="857370"/>
+            <a:off x="3704891" y="3229661"/>
+            <a:ext cx="4782217" cy="1543265"/>
           </a:xfrm>
         </p:spPr>
       </p:pic>
       <p:pic>
         <p:nvPicPr>
-          <p:cNvPr id="7" name="Picture 6">
-            <a:extLst>
-              <a:ext uri="{FF2B5EF4-FFF2-40B4-BE49-F238E27FC236}">
-                <a16:creationId xmlns:a16="http://schemas.microsoft.com/office/drawing/2014/main" id="{0872A2BC-5CE3-6CD2-6A1C-08D1D254A627}"/>
+          <p:cNvPr id="4" name="Picture 3">
+            <a:extLst>
+              <a:ext uri="{FF2B5EF4-FFF2-40B4-BE49-F238E27FC236}">
+                <a16:creationId xmlns:a16="http://schemas.microsoft.com/office/drawing/2014/main" id="{812F5418-0A86-C6FC-0D04-0C53CB351068}"/>
               </a:ext>
             </a:extLst>
           </p:cNvPr>
@@ -6000,38 +6185,8 @@
         </p:blipFill>
         <p:spPr>
           <a:xfrm>
-            <a:off x="3671549" y="3838504"/>
-            <a:ext cx="4848902" cy="1009791"/>
-          </a:xfrm>
-          <a:prstGeom prst="rect">
-            <a:avLst/>
-          </a:prstGeom>
-        </p:spPr>
-      </p:pic>
-      <p:pic>
-        <p:nvPicPr>
-          <p:cNvPr id="4" name="Picture 3">
-            <a:extLst>
-              <a:ext uri="{FF2B5EF4-FFF2-40B4-BE49-F238E27FC236}">
-                <a16:creationId xmlns:a16="http://schemas.microsoft.com/office/drawing/2014/main" id="{AAB2EBB6-059C-3AAB-231B-0A88FB28E1F7}"/>
-              </a:ext>
-            </a:extLst>
-          </p:cNvPr>
-          <p:cNvPicPr>
-            <a:picLocks noChangeAspect="1"/>
-          </p:cNvPicPr>
-          <p:nvPr/>
-        </p:nvPicPr>
-        <p:blipFill>
-          <a:blip r:embed="rId4"/>
-          <a:stretch>
-            <a:fillRect/>
-          </a:stretch>
-        </p:blipFill>
-        <p:spPr>
-          <a:xfrm>
-            <a:off x="4620128" y="1422423"/>
-            <a:ext cx="2800741" cy="885949"/>
+            <a:off x="4165139" y="1892969"/>
+            <a:ext cx="3677163" cy="857370"/>
           </a:xfrm>
           <a:prstGeom prst="rect">
             <a:avLst/>
@@ -6041,7 +6196,7 @@
     </p:spTree>
     <p:extLst>
       <p:ext uri="{BB962C8B-B14F-4D97-AF65-F5344CB8AC3E}">
-        <p14:creationId xmlns:p14="http://schemas.microsoft.com/office/powerpoint/2010/main" val="4195991796"/>
+        <p14:creationId xmlns:p14="http://schemas.microsoft.com/office/powerpoint/2010/main" val="1557757514"/>
       </p:ext>
     </p:extLst>
   </p:cSld>
@@ -6073,7 +6228,7 @@
           <p:cNvPr id="2" name="Title 1">
             <a:extLst>
               <a:ext uri="{FF2B5EF4-FFF2-40B4-BE49-F238E27FC236}">
-                <a16:creationId xmlns:a16="http://schemas.microsoft.com/office/drawing/2014/main" id="{F10E03EF-A79C-184C-7CAD-E348DC656857}"/>
+                <a16:creationId xmlns:a16="http://schemas.microsoft.com/office/drawing/2014/main" id="{407ED185-2F5C-25F6-C3CC-3ECB77AC4051}"/>
               </a:ext>
             </a:extLst>
           </p:cNvPr>
@@ -6091,7 +6246,7 @@
           <a:p>
             <a:r>
               <a:rPr lang="en-NZ" dirty="0"/>
-              <a:t>4 Arrays</a:t>
+              <a:t>3 Constants</a:t>
             </a:r>
           </a:p>
         </p:txBody>
@@ -6101,7 +6256,7 @@
           <p:cNvPr id="5" name="Content Placeholder 4">
             <a:extLst>
               <a:ext uri="{FF2B5EF4-FFF2-40B4-BE49-F238E27FC236}">
-                <a16:creationId xmlns:a16="http://schemas.microsoft.com/office/drawing/2014/main" id="{6F764AD7-36BC-4513-9C5C-32EA4381585D}"/>
+                <a16:creationId xmlns:a16="http://schemas.microsoft.com/office/drawing/2014/main" id="{1CADAAE2-4A8F-733E-B2E2-94DC96E9C64A}"/>
               </a:ext>
             </a:extLst>
           </p:cNvPr>
@@ -6120,17 +6275,17 @@
         </p:blipFill>
         <p:spPr>
           <a:xfrm>
-            <a:off x="3619154" y="3277293"/>
-            <a:ext cx="4953691" cy="1448002"/>
+            <a:off x="2726099" y="2644753"/>
+            <a:ext cx="7125694" cy="857370"/>
           </a:xfrm>
         </p:spPr>
       </p:pic>
       <p:pic>
         <p:nvPicPr>
-          <p:cNvPr id="4" name="Picture 3">
-            <a:extLst>
-              <a:ext uri="{FF2B5EF4-FFF2-40B4-BE49-F238E27FC236}">
-                <a16:creationId xmlns:a16="http://schemas.microsoft.com/office/drawing/2014/main" id="{BFAAB0A2-C23D-EE0E-C7BC-6ECB4EAE21A6}"/>
+          <p:cNvPr id="7" name="Picture 6">
+            <a:extLst>
+              <a:ext uri="{FF2B5EF4-FFF2-40B4-BE49-F238E27FC236}">
+                <a16:creationId xmlns:a16="http://schemas.microsoft.com/office/drawing/2014/main" id="{0872A2BC-5CE3-6CD2-6A1C-08D1D254A627}"/>
               </a:ext>
             </a:extLst>
           </p:cNvPr>
@@ -6147,8 +6302,38 @@
         </p:blipFill>
         <p:spPr>
           <a:xfrm>
-            <a:off x="4781365" y="2201796"/>
-            <a:ext cx="2629267" cy="743054"/>
+            <a:off x="3671549" y="3838504"/>
+            <a:ext cx="4848902" cy="1009791"/>
+          </a:xfrm>
+          <a:prstGeom prst="rect">
+            <a:avLst/>
+          </a:prstGeom>
+        </p:spPr>
+      </p:pic>
+      <p:pic>
+        <p:nvPicPr>
+          <p:cNvPr id="4" name="Picture 3">
+            <a:extLst>
+              <a:ext uri="{FF2B5EF4-FFF2-40B4-BE49-F238E27FC236}">
+                <a16:creationId xmlns:a16="http://schemas.microsoft.com/office/drawing/2014/main" id="{AAB2EBB6-059C-3AAB-231B-0A88FB28E1F7}"/>
+              </a:ext>
+            </a:extLst>
+          </p:cNvPr>
+          <p:cNvPicPr>
+            <a:picLocks noChangeAspect="1"/>
+          </p:cNvPicPr>
+          <p:nvPr/>
+        </p:nvPicPr>
+        <p:blipFill>
+          <a:blip r:embed="rId4"/>
+          <a:stretch>
+            <a:fillRect/>
+          </a:stretch>
+        </p:blipFill>
+        <p:spPr>
+          <a:xfrm>
+            <a:off x="4620128" y="1422423"/>
+            <a:ext cx="2800741" cy="885949"/>
           </a:xfrm>
           <a:prstGeom prst="rect">
             <a:avLst/>
@@ -6158,7 +6343,7 @@
     </p:spTree>
     <p:extLst>
       <p:ext uri="{BB962C8B-B14F-4D97-AF65-F5344CB8AC3E}">
-        <p14:creationId xmlns:p14="http://schemas.microsoft.com/office/powerpoint/2010/main" val="3549118176"/>
+        <p14:creationId xmlns:p14="http://schemas.microsoft.com/office/powerpoint/2010/main" val="4195991796"/>
       </p:ext>
     </p:extLst>
   </p:cSld>
@@ -6190,7 +6375,7 @@
           <p:cNvPr id="2" name="Title 1">
             <a:extLst>
               <a:ext uri="{FF2B5EF4-FFF2-40B4-BE49-F238E27FC236}">
-                <a16:creationId xmlns:a16="http://schemas.microsoft.com/office/drawing/2014/main" id="{E8BB591F-0A30-721C-C8D5-3E47000D290A}"/>
+                <a16:creationId xmlns:a16="http://schemas.microsoft.com/office/drawing/2014/main" id="{F10E03EF-A79C-184C-7CAD-E348DC656857}"/>
               </a:ext>
             </a:extLst>
           </p:cNvPr>
@@ -6208,7 +6393,7 @@
           <a:p>
             <a:r>
               <a:rPr lang="en-NZ" dirty="0"/>
-              <a:t>5 Classes, 9 Constructors, 25 Properties</a:t>
+              <a:t>4 Arrays</a:t>
             </a:r>
           </a:p>
         </p:txBody>
@@ -6218,7 +6403,7 @@
           <p:cNvPr id="5" name="Content Placeholder 4">
             <a:extLst>
               <a:ext uri="{FF2B5EF4-FFF2-40B4-BE49-F238E27FC236}">
-                <a16:creationId xmlns:a16="http://schemas.microsoft.com/office/drawing/2014/main" id="{C8B241C0-4400-CC2B-E995-819AF438A7ED}"/>
+                <a16:creationId xmlns:a16="http://schemas.microsoft.com/office/drawing/2014/main" id="{6F764AD7-36BC-4513-9C5C-32EA4381585D}"/>
               </a:ext>
             </a:extLst>
           </p:cNvPr>
@@ -6237,17 +6422,17 @@
         </p:blipFill>
         <p:spPr>
           <a:xfrm>
-            <a:off x="3217097" y="1690688"/>
-            <a:ext cx="4067743" cy="752580"/>
+            <a:off x="3619154" y="3277293"/>
+            <a:ext cx="4953691" cy="1448002"/>
           </a:xfrm>
         </p:spPr>
       </p:pic>
       <p:pic>
         <p:nvPicPr>
-          <p:cNvPr id="7" name="Picture 6">
-            <a:extLst>
-              <a:ext uri="{FF2B5EF4-FFF2-40B4-BE49-F238E27FC236}">
-                <a16:creationId xmlns:a16="http://schemas.microsoft.com/office/drawing/2014/main" id="{14A87456-FD19-55F6-EB1B-949CC05686B8}"/>
+          <p:cNvPr id="4" name="Picture 3">
+            <a:extLst>
+              <a:ext uri="{FF2B5EF4-FFF2-40B4-BE49-F238E27FC236}">
+                <a16:creationId xmlns:a16="http://schemas.microsoft.com/office/drawing/2014/main" id="{BFAAB0A2-C23D-EE0E-C7BC-6ECB4EAE21A6}"/>
               </a:ext>
             </a:extLst>
           </p:cNvPr>
@@ -6264,8 +6449,8 @@
         </p:blipFill>
         <p:spPr>
           <a:xfrm>
-            <a:off x="2269227" y="2536725"/>
-            <a:ext cx="5963482" cy="3296110"/>
+            <a:off x="4781365" y="2201796"/>
+            <a:ext cx="2629267" cy="743054"/>
           </a:xfrm>
           <a:prstGeom prst="rect">
             <a:avLst/>
@@ -6275,7 +6460,7 @@
     </p:spTree>
     <p:extLst>
       <p:ext uri="{BB962C8B-B14F-4D97-AF65-F5344CB8AC3E}">
-        <p14:creationId xmlns:p14="http://schemas.microsoft.com/office/powerpoint/2010/main" val="2341979689"/>
+        <p14:creationId xmlns:p14="http://schemas.microsoft.com/office/powerpoint/2010/main" val="3549118176"/>
       </p:ext>
     </p:extLst>
   </p:cSld>
@@ -6307,7 +6492,7 @@
           <p:cNvPr id="2" name="Title 1">
             <a:extLst>
               <a:ext uri="{FF2B5EF4-FFF2-40B4-BE49-F238E27FC236}">
-                <a16:creationId xmlns:a16="http://schemas.microsoft.com/office/drawing/2014/main" id="{3A4CB912-CF71-A1D8-8D3B-B636B3912EDB}"/>
+                <a16:creationId xmlns:a16="http://schemas.microsoft.com/office/drawing/2014/main" id="{E8BB591F-0A30-721C-C8D5-3E47000D290A}"/>
               </a:ext>
             </a:extLst>
           </p:cNvPr>
@@ -6325,13 +6510,8 @@
           <a:p>
             <a:r>
               <a:rPr lang="en-NZ" dirty="0"/>
-              <a:t>6 Access modifiers, 7 Fields, 8 </a:t>
-            </a:r>
-            <a:r>
-              <a:rPr lang="en-NZ" dirty="0" err="1"/>
-              <a:t>Readonly</a:t>
-            </a:r>
-            <a:endParaRPr lang="en-NZ" dirty="0"/>
+              <a:t>5 Classes, 9 Constructors, 25 Properties</a:t>
+            </a:r>
           </a:p>
         </p:txBody>
       </p:sp>
@@ -6340,7 +6520,7 @@
           <p:cNvPr id="5" name="Content Placeholder 4">
             <a:extLst>
               <a:ext uri="{FF2B5EF4-FFF2-40B4-BE49-F238E27FC236}">
-                <a16:creationId xmlns:a16="http://schemas.microsoft.com/office/drawing/2014/main" id="{FAB903EA-6ECE-3CC5-E995-836B3346CB3D}"/>
+                <a16:creationId xmlns:a16="http://schemas.microsoft.com/office/drawing/2014/main" id="{C8B241C0-4400-CC2B-E995-819AF438A7ED}"/>
               </a:ext>
             </a:extLst>
           </p:cNvPr>
@@ -6359,8 +6539,8 @@
         </p:blipFill>
         <p:spPr>
           <a:xfrm>
-            <a:off x="3995116" y="1959783"/>
-            <a:ext cx="3324689" cy="724001"/>
+            <a:off x="3217097" y="1690688"/>
+            <a:ext cx="4067743" cy="752580"/>
           </a:xfrm>
         </p:spPr>
       </p:pic>
@@ -6369,7 +6549,7 @@
           <p:cNvPr id="7" name="Picture 6">
             <a:extLst>
               <a:ext uri="{FF2B5EF4-FFF2-40B4-BE49-F238E27FC236}">
-                <a16:creationId xmlns:a16="http://schemas.microsoft.com/office/drawing/2014/main" id="{88E51E82-F105-9107-57F9-D8E534FB7B37}"/>
+                <a16:creationId xmlns:a16="http://schemas.microsoft.com/office/drawing/2014/main" id="{14A87456-FD19-55F6-EB1B-949CC05686B8}"/>
               </a:ext>
             </a:extLst>
           </p:cNvPr>
@@ -6386,8 +6566,8 @@
         </p:blipFill>
         <p:spPr>
           <a:xfrm>
-            <a:off x="4090379" y="2777623"/>
-            <a:ext cx="3134162" cy="2553056"/>
+            <a:off x="2269227" y="2536725"/>
+            <a:ext cx="5963482" cy="3296110"/>
           </a:xfrm>
           <a:prstGeom prst="rect">
             <a:avLst/>
@@ -6397,7 +6577,7 @@
     </p:spTree>
     <p:extLst>
       <p:ext uri="{BB962C8B-B14F-4D97-AF65-F5344CB8AC3E}">
-        <p14:creationId xmlns:p14="http://schemas.microsoft.com/office/powerpoint/2010/main" val="4242760972"/>
+        <p14:creationId xmlns:p14="http://schemas.microsoft.com/office/powerpoint/2010/main" val="2341979689"/>
       </p:ext>
     </p:extLst>
   </p:cSld>
@@ -6429,7 +6609,7 @@
           <p:cNvPr id="2" name="Title 1">
             <a:extLst>
               <a:ext uri="{FF2B5EF4-FFF2-40B4-BE49-F238E27FC236}">
-                <a16:creationId xmlns:a16="http://schemas.microsoft.com/office/drawing/2014/main" id="{CD908CF5-57C8-CDD8-FC7B-9933264142B9}"/>
+                <a16:creationId xmlns:a16="http://schemas.microsoft.com/office/drawing/2014/main" id="{3A4CB912-CF71-A1D8-8D3B-B636B3912EDB}"/>
               </a:ext>
             </a:extLst>
           </p:cNvPr>
@@ -6447,17 +6627,22 @@
           <a:p>
             <a:r>
               <a:rPr lang="en-NZ" dirty="0"/>
-              <a:t>10 Passing by value, 24 Static</a:t>
-            </a:r>
+              <a:t>6 Access modifiers, 7 Fields, 8 </a:t>
+            </a:r>
+            <a:r>
+              <a:rPr lang="en-NZ" dirty="0" err="1"/>
+              <a:t>Readonly</a:t>
+            </a:r>
+            <a:endParaRPr lang="en-NZ" dirty="0"/>
           </a:p>
         </p:txBody>
       </p:sp>
       <p:pic>
         <p:nvPicPr>
-          <p:cNvPr id="7" name="Content Placeholder 6">
-            <a:extLst>
-              <a:ext uri="{FF2B5EF4-FFF2-40B4-BE49-F238E27FC236}">
-                <a16:creationId xmlns:a16="http://schemas.microsoft.com/office/drawing/2014/main" id="{C3C34524-9E6A-6FA7-F73A-231F81FEB6EE}"/>
+          <p:cNvPr id="5" name="Content Placeholder 4">
+            <a:extLst>
+              <a:ext uri="{FF2B5EF4-FFF2-40B4-BE49-F238E27FC236}">
+                <a16:creationId xmlns:a16="http://schemas.microsoft.com/office/drawing/2014/main" id="{FAB903EA-6ECE-3CC5-E995-836B3346CB3D}"/>
               </a:ext>
             </a:extLst>
           </p:cNvPr>
@@ -6476,17 +6661,17 @@
         </p:blipFill>
         <p:spPr>
           <a:xfrm>
-            <a:off x="3228575" y="2052959"/>
-            <a:ext cx="5734850" cy="1190791"/>
+            <a:off x="3995116" y="1959783"/>
+            <a:ext cx="3324689" cy="724001"/>
           </a:xfrm>
         </p:spPr>
       </p:pic>
       <p:pic>
         <p:nvPicPr>
-          <p:cNvPr id="9" name="Picture 8">
-            <a:extLst>
-              <a:ext uri="{FF2B5EF4-FFF2-40B4-BE49-F238E27FC236}">
-                <a16:creationId xmlns:a16="http://schemas.microsoft.com/office/drawing/2014/main" id="{DE6E5BB4-43BD-4942-7A48-C7E1475F3CBD}"/>
+          <p:cNvPr id="7" name="Picture 6">
+            <a:extLst>
+              <a:ext uri="{FF2B5EF4-FFF2-40B4-BE49-F238E27FC236}">
+                <a16:creationId xmlns:a16="http://schemas.microsoft.com/office/drawing/2014/main" id="{88E51E82-F105-9107-57F9-D8E534FB7B37}"/>
               </a:ext>
             </a:extLst>
           </p:cNvPr>
@@ -6503,8 +6688,8 @@
         </p:blipFill>
         <p:spPr>
           <a:xfrm>
-            <a:off x="3476259" y="3294808"/>
-            <a:ext cx="5239481" cy="1409897"/>
+            <a:off x="4090379" y="2777623"/>
+            <a:ext cx="3134162" cy="2553056"/>
           </a:xfrm>
           <a:prstGeom prst="rect">
             <a:avLst/>
@@ -6514,7 +6699,7 @@
     </p:spTree>
     <p:extLst>
       <p:ext uri="{BB962C8B-B14F-4D97-AF65-F5344CB8AC3E}">
-        <p14:creationId xmlns:p14="http://schemas.microsoft.com/office/powerpoint/2010/main" val="76209474"/>
+        <p14:creationId xmlns:p14="http://schemas.microsoft.com/office/powerpoint/2010/main" val="4242760972"/>
       </p:ext>
     </p:extLst>
   </p:cSld>
@@ -6546,7 +6731,7 @@
           <p:cNvPr id="2" name="Title 1">
             <a:extLst>
               <a:ext uri="{FF2B5EF4-FFF2-40B4-BE49-F238E27FC236}">
-                <a16:creationId xmlns:a16="http://schemas.microsoft.com/office/drawing/2014/main" id="{9E8256EB-FDDB-0574-37FC-22C0CCD9265B}"/>
+                <a16:creationId xmlns:a16="http://schemas.microsoft.com/office/drawing/2014/main" id="{CD908CF5-57C8-CDD8-FC7B-9933264142B9}"/>
               </a:ext>
             </a:extLst>
           </p:cNvPr>
@@ -6564,17 +6749,17 @@
           <a:p>
             <a:r>
               <a:rPr lang="en-NZ" dirty="0"/>
-              <a:t>11 Passing by reference </a:t>
+              <a:t>10 Passing by value, 24 Static</a:t>
             </a:r>
           </a:p>
         </p:txBody>
       </p:sp>
       <p:pic>
         <p:nvPicPr>
-          <p:cNvPr id="5" name="Content Placeholder 4">
-            <a:extLst>
-              <a:ext uri="{FF2B5EF4-FFF2-40B4-BE49-F238E27FC236}">
-                <a16:creationId xmlns:a16="http://schemas.microsoft.com/office/drawing/2014/main" id="{639C0542-CEDD-437A-59F7-E06188E40BC2}"/>
+          <p:cNvPr id="7" name="Content Placeholder 6">
+            <a:extLst>
+              <a:ext uri="{FF2B5EF4-FFF2-40B4-BE49-F238E27FC236}">
+                <a16:creationId xmlns:a16="http://schemas.microsoft.com/office/drawing/2014/main" id="{C3C34524-9E6A-6FA7-F73A-231F81FEB6EE}"/>
               </a:ext>
             </a:extLst>
           </p:cNvPr>
@@ -6593,17 +6778,17 @@
         </p:blipFill>
         <p:spPr>
           <a:xfrm>
-            <a:off x="3295259" y="1903669"/>
-            <a:ext cx="5601482" cy="1190791"/>
+            <a:off x="3228575" y="2052959"/>
+            <a:ext cx="5734850" cy="1190791"/>
           </a:xfrm>
         </p:spPr>
       </p:pic>
       <p:pic>
         <p:nvPicPr>
-          <p:cNvPr id="7" name="Picture 6">
-            <a:extLst>
-              <a:ext uri="{FF2B5EF4-FFF2-40B4-BE49-F238E27FC236}">
-                <a16:creationId xmlns:a16="http://schemas.microsoft.com/office/drawing/2014/main" id="{8E02192A-1727-6065-4C27-0A657E04D04F}"/>
+          <p:cNvPr id="9" name="Picture 8">
+            <a:extLst>
+              <a:ext uri="{FF2B5EF4-FFF2-40B4-BE49-F238E27FC236}">
+                <a16:creationId xmlns:a16="http://schemas.microsoft.com/office/drawing/2014/main" id="{DE6E5BB4-43BD-4942-7A48-C7E1475F3CBD}"/>
               </a:ext>
             </a:extLst>
           </p:cNvPr>
@@ -6620,8 +6805,8 @@
         </p:blipFill>
         <p:spPr>
           <a:xfrm>
-            <a:off x="3333364" y="3307441"/>
-            <a:ext cx="5525271" cy="1343212"/>
+            <a:off x="3476259" y="3294808"/>
+            <a:ext cx="5239481" cy="1409897"/>
           </a:xfrm>
           <a:prstGeom prst="rect">
             <a:avLst/>
@@ -6631,7 +6816,7 @@
     </p:spTree>
     <p:extLst>
       <p:ext uri="{BB962C8B-B14F-4D97-AF65-F5344CB8AC3E}">
-        <p14:creationId xmlns:p14="http://schemas.microsoft.com/office/powerpoint/2010/main" val="1240239650"/>
+        <p14:creationId xmlns:p14="http://schemas.microsoft.com/office/powerpoint/2010/main" val="76209474"/>
       </p:ext>
     </p:extLst>
   </p:cSld>

--- a/Assessment1/Assessment1.pptx
+++ b/Assessment1/Assessment1.pptx
@@ -290,7 +290,7 @@
           <a:p>
             <a:fld id="{9EAC616E-D2F8-41DC-B2F1-F84DED6378CD}" type="datetimeFigureOut">
               <a:rPr lang="en-NZ" smtClean="0"/>
-              <a:t>7/10/2022</a:t>
+              <a:t>21/11/2022</a:t>
             </a:fld>
             <a:endParaRPr lang="en-NZ"/>
           </a:p>
@@ -490,7 +490,7 @@
           <a:p>
             <a:fld id="{9EAC616E-D2F8-41DC-B2F1-F84DED6378CD}" type="datetimeFigureOut">
               <a:rPr lang="en-NZ" smtClean="0"/>
-              <a:t>7/10/2022</a:t>
+              <a:t>21/11/2022</a:t>
             </a:fld>
             <a:endParaRPr lang="en-NZ"/>
           </a:p>
@@ -700,7 +700,7 @@
           <a:p>
             <a:fld id="{9EAC616E-D2F8-41DC-B2F1-F84DED6378CD}" type="datetimeFigureOut">
               <a:rPr lang="en-NZ" smtClean="0"/>
-              <a:t>7/10/2022</a:t>
+              <a:t>21/11/2022</a:t>
             </a:fld>
             <a:endParaRPr lang="en-NZ"/>
           </a:p>
@@ -900,7 +900,7 @@
           <a:p>
             <a:fld id="{9EAC616E-D2F8-41DC-B2F1-F84DED6378CD}" type="datetimeFigureOut">
               <a:rPr lang="en-NZ" smtClean="0"/>
-              <a:t>7/10/2022</a:t>
+              <a:t>21/11/2022</a:t>
             </a:fld>
             <a:endParaRPr lang="en-NZ"/>
           </a:p>
@@ -1176,7 +1176,7 @@
           <a:p>
             <a:fld id="{9EAC616E-D2F8-41DC-B2F1-F84DED6378CD}" type="datetimeFigureOut">
               <a:rPr lang="en-NZ" smtClean="0"/>
-              <a:t>7/10/2022</a:t>
+              <a:t>21/11/2022</a:t>
             </a:fld>
             <a:endParaRPr lang="en-NZ"/>
           </a:p>
@@ -1444,7 +1444,7 @@
           <a:p>
             <a:fld id="{9EAC616E-D2F8-41DC-B2F1-F84DED6378CD}" type="datetimeFigureOut">
               <a:rPr lang="en-NZ" smtClean="0"/>
-              <a:t>7/10/2022</a:t>
+              <a:t>21/11/2022</a:t>
             </a:fld>
             <a:endParaRPr lang="en-NZ"/>
           </a:p>
@@ -1859,7 +1859,7 @@
           <a:p>
             <a:fld id="{9EAC616E-D2F8-41DC-B2F1-F84DED6378CD}" type="datetimeFigureOut">
               <a:rPr lang="en-NZ" smtClean="0"/>
-              <a:t>7/10/2022</a:t>
+              <a:t>21/11/2022</a:t>
             </a:fld>
             <a:endParaRPr lang="en-NZ"/>
           </a:p>
@@ -2001,7 +2001,7 @@
           <a:p>
             <a:fld id="{9EAC616E-D2F8-41DC-B2F1-F84DED6378CD}" type="datetimeFigureOut">
               <a:rPr lang="en-NZ" smtClean="0"/>
-              <a:t>7/10/2022</a:t>
+              <a:t>21/11/2022</a:t>
             </a:fld>
             <a:endParaRPr lang="en-NZ"/>
           </a:p>
@@ -2114,7 +2114,7 @@
           <a:p>
             <a:fld id="{9EAC616E-D2F8-41DC-B2F1-F84DED6378CD}" type="datetimeFigureOut">
               <a:rPr lang="en-NZ" smtClean="0"/>
-              <a:t>7/10/2022</a:t>
+              <a:t>21/11/2022</a:t>
             </a:fld>
             <a:endParaRPr lang="en-NZ"/>
           </a:p>
@@ -2427,7 +2427,7 @@
           <a:p>
             <a:fld id="{9EAC616E-D2F8-41DC-B2F1-F84DED6378CD}" type="datetimeFigureOut">
               <a:rPr lang="en-NZ" smtClean="0"/>
-              <a:t>7/10/2022</a:t>
+              <a:t>21/11/2022</a:t>
             </a:fld>
             <a:endParaRPr lang="en-NZ"/>
           </a:p>
@@ -2716,7 +2716,7 @@
           <a:p>
             <a:fld id="{9EAC616E-D2F8-41DC-B2F1-F84DED6378CD}" type="datetimeFigureOut">
               <a:rPr lang="en-NZ" smtClean="0"/>
-              <a:t>7/10/2022</a:t>
+              <a:t>21/11/2022</a:t>
             </a:fld>
             <a:endParaRPr lang="en-NZ"/>
           </a:p>
@@ -2959,7 +2959,7 @@
           <a:p>
             <a:fld id="{9EAC616E-D2F8-41DC-B2F1-F84DED6378CD}" type="datetimeFigureOut">
               <a:rPr lang="en-NZ" smtClean="0"/>
-              <a:t>7/10/2022</a:t>
+              <a:t>21/11/2022</a:t>
             </a:fld>
             <a:endParaRPr lang="en-NZ"/>
           </a:p>
